--- a/2020-11-22 DevNot Summit Blazor and ABP/Blazor-Abp-Workshop.pptx
+++ b/2020-11-22 DevNot Summit Blazor and ABP/Blazor-Abp-Workshop.pptx
@@ -8,11 +8,15 @@
     <p:sldId id="257" r:id="rId2"/>
     <p:sldId id="309" r:id="rId3"/>
     <p:sldId id="310" r:id="rId4"/>
-    <p:sldId id="311" r:id="rId5"/>
-    <p:sldId id="312" r:id="rId6"/>
-    <p:sldId id="313" r:id="rId7"/>
-    <p:sldId id="314" r:id="rId8"/>
-    <p:sldId id="315" r:id="rId9"/>
+    <p:sldId id="316" r:id="rId5"/>
+    <p:sldId id="317" r:id="rId6"/>
+    <p:sldId id="318" r:id="rId7"/>
+    <p:sldId id="312" r:id="rId8"/>
+    <p:sldId id="313" r:id="rId9"/>
+    <p:sldId id="314" r:id="rId10"/>
+    <p:sldId id="315" r:id="rId11"/>
+    <p:sldId id="319" r:id="rId12"/>
+    <p:sldId id="320" r:id="rId13"/>
   </p:sldIdLst>
   <p:sldSz cx="12192000" cy="6858000"/>
   <p:notesSz cx="6858000" cy="9144000"/>
@@ -111,6 +115,11 @@
       </a:defRPr>
     </a:lvl9pPr>
   </p:defaultTextStyle>
+  <p:extLst>
+    <p:ext uri="{EFAFB233-063F-42B5-8137-9DF3F51BA10A}">
+      <p15:sldGuideLst xmlns:p15="http://schemas.microsoft.com/office/powerpoint/2012/main"/>
+    </p:ext>
+  </p:extLst>
 </p:presentation>
 </file>
 
@@ -261,7 +270,7 @@
           <a:p>
             <a:fld id="{C1EBCF09-E776-406A-8448-41E38AB180D3}" type="datetimeFigureOut">
               <a:rPr lang="en-US" smtClean="0"/>
-              <a:t>20-Nov-20</a:t>
+              <a:t>21-Nov-20</a:t>
             </a:fld>
             <a:endParaRPr lang="en-US"/>
           </a:p>
@@ -459,7 +468,7 @@
           <a:p>
             <a:fld id="{C1EBCF09-E776-406A-8448-41E38AB180D3}" type="datetimeFigureOut">
               <a:rPr lang="en-US" smtClean="0"/>
-              <a:t>20-Nov-20</a:t>
+              <a:t>21-Nov-20</a:t>
             </a:fld>
             <a:endParaRPr lang="en-US"/>
           </a:p>
@@ -667,7 +676,7 @@
           <a:p>
             <a:fld id="{C1EBCF09-E776-406A-8448-41E38AB180D3}" type="datetimeFigureOut">
               <a:rPr lang="en-US" smtClean="0"/>
-              <a:t>20-Nov-20</a:t>
+              <a:t>21-Nov-20</a:t>
             </a:fld>
             <a:endParaRPr lang="en-US"/>
           </a:p>
@@ -865,7 +874,7 @@
           <a:p>
             <a:fld id="{C1EBCF09-E776-406A-8448-41E38AB180D3}" type="datetimeFigureOut">
               <a:rPr lang="en-US" smtClean="0"/>
-              <a:t>20-Nov-20</a:t>
+              <a:t>21-Nov-20</a:t>
             </a:fld>
             <a:endParaRPr lang="en-US"/>
           </a:p>
@@ -1140,7 +1149,7 @@
           <a:p>
             <a:fld id="{C1EBCF09-E776-406A-8448-41E38AB180D3}" type="datetimeFigureOut">
               <a:rPr lang="en-US" smtClean="0"/>
-              <a:t>20-Nov-20</a:t>
+              <a:t>21-Nov-20</a:t>
             </a:fld>
             <a:endParaRPr lang="en-US"/>
           </a:p>
@@ -1405,7 +1414,7 @@
           <a:p>
             <a:fld id="{C1EBCF09-E776-406A-8448-41E38AB180D3}" type="datetimeFigureOut">
               <a:rPr lang="en-US" smtClean="0"/>
-              <a:t>20-Nov-20</a:t>
+              <a:t>21-Nov-20</a:t>
             </a:fld>
             <a:endParaRPr lang="en-US"/>
           </a:p>
@@ -1817,7 +1826,7 @@
           <a:p>
             <a:fld id="{C1EBCF09-E776-406A-8448-41E38AB180D3}" type="datetimeFigureOut">
               <a:rPr lang="en-US" smtClean="0"/>
-              <a:t>20-Nov-20</a:t>
+              <a:t>21-Nov-20</a:t>
             </a:fld>
             <a:endParaRPr lang="en-US"/>
           </a:p>
@@ -1958,7 +1967,7 @@
           <a:p>
             <a:fld id="{C1EBCF09-E776-406A-8448-41E38AB180D3}" type="datetimeFigureOut">
               <a:rPr lang="en-US" smtClean="0"/>
-              <a:t>20-Nov-20</a:t>
+              <a:t>21-Nov-20</a:t>
             </a:fld>
             <a:endParaRPr lang="en-US"/>
           </a:p>
@@ -2071,7 +2080,7 @@
           <a:p>
             <a:fld id="{C1EBCF09-E776-406A-8448-41E38AB180D3}" type="datetimeFigureOut">
               <a:rPr lang="en-US" smtClean="0"/>
-              <a:t>20-Nov-20</a:t>
+              <a:t>21-Nov-20</a:t>
             </a:fld>
             <a:endParaRPr lang="en-US"/>
           </a:p>
@@ -2382,7 +2391,7 @@
           <a:p>
             <a:fld id="{C1EBCF09-E776-406A-8448-41E38AB180D3}" type="datetimeFigureOut">
               <a:rPr lang="en-US" smtClean="0"/>
-              <a:t>20-Nov-20</a:t>
+              <a:t>21-Nov-20</a:t>
             </a:fld>
             <a:endParaRPr lang="en-US"/>
           </a:p>
@@ -2670,7 +2679,7 @@
           <a:p>
             <a:fld id="{C1EBCF09-E776-406A-8448-41E38AB180D3}" type="datetimeFigureOut">
               <a:rPr lang="en-US" smtClean="0"/>
-              <a:t>20-Nov-20</a:t>
+              <a:t>21-Nov-20</a:t>
             </a:fld>
             <a:endParaRPr lang="en-US"/>
           </a:p>
@@ -2911,7 +2920,7 @@
           <a:p>
             <a:fld id="{C1EBCF09-E776-406A-8448-41E38AB180D3}" type="datetimeFigureOut">
               <a:rPr lang="en-US" smtClean="0"/>
-              <a:t>20-Nov-20</a:t>
+              <a:t>21-Nov-20</a:t>
             </a:fld>
             <a:endParaRPr lang="en-US"/>
           </a:p>
@@ -3474,7 +3483,7 @@
           <a:graphicData uri="http://schemas.openxmlformats.org/presentationml/2006/ole">
             <mc:AlternateContent xmlns:mc="http://schemas.openxmlformats.org/markup-compatibility/2006">
               <mc:Choice xmlns:v="urn:schemas-microsoft-com:vml" Requires="v">
-                <p:oleObj spid="_x0000_s1030" name="PDF" r:id="rId5" imgW="0" imgH="360" progId="FoxitReader.Document">
+                <p:oleObj spid="_x0000_s1052" name="PDF" r:id="rId5" imgW="0" imgH="360" progId="FoxitReader.Document">
                   <p:embed/>
                 </p:oleObj>
               </mc:Choice>
@@ -3522,6 +3531,397 @@
 </p:sld>
 </file>
 
+<file path=ppt/slides/slide10.xml><?xml version="1.0" encoding="utf-8"?>
+<p:sld xmlns:a="http://schemas.openxmlformats.org/drawingml/2006/main" xmlns:r="http://schemas.openxmlformats.org/officeDocument/2006/relationships" xmlns:p="http://schemas.openxmlformats.org/presentationml/2006/main">
+  <p:cSld>
+    <p:spTree>
+      <p:nvGrpSpPr>
+        <p:cNvPr id="1" name=""/>
+        <p:cNvGrpSpPr/>
+        <p:nvPr/>
+      </p:nvGrpSpPr>
+      <p:grpSpPr>
+        <a:xfrm>
+          <a:off x="0" y="0"/>
+          <a:ext cx="0" cy="0"/>
+          <a:chOff x="0" y="0"/>
+          <a:chExt cx="0" cy="0"/>
+        </a:xfrm>
+      </p:grpSpPr>
+      <p:sp>
+        <p:nvSpPr>
+          <p:cNvPr id="2" name="Title 1">
+            <a:extLst>
+              <a:ext uri="{FF2B5EF4-FFF2-40B4-BE49-F238E27FC236}">
+                <a16:creationId xmlns:a16="http://schemas.microsoft.com/office/drawing/2014/main" id="{D41E3021-31EC-4042-A6F4-A5233184AC97}"/>
+              </a:ext>
+            </a:extLst>
+          </p:cNvPr>
+          <p:cNvSpPr>
+            <a:spLocks noGrp="1"/>
+          </p:cNvSpPr>
+          <p:nvPr>
+            <p:ph type="title"/>
+          </p:nvPr>
+        </p:nvSpPr>
+        <p:spPr/>
+        <p:txBody>
+          <a:bodyPr/>
+          <a:lstStyle/>
+          <a:p>
+            <a:r>
+              <a:rPr lang="en-US" dirty="0"/>
+              <a:t>The Application / Create Event</a:t>
+            </a:r>
+          </a:p>
+        </p:txBody>
+      </p:sp>
+      <p:pic>
+        <p:nvPicPr>
+          <p:cNvPr id="5" name="Picture 4">
+            <a:extLst>
+              <a:ext uri="{FF2B5EF4-FFF2-40B4-BE49-F238E27FC236}">
+                <a16:creationId xmlns:a16="http://schemas.microsoft.com/office/drawing/2014/main" id="{347CDF5D-B13E-4B25-AD17-72BAB140E64D}"/>
+              </a:ext>
+            </a:extLst>
+          </p:cNvPr>
+          <p:cNvPicPr>
+            <a:picLocks noChangeAspect="1"/>
+          </p:cNvPicPr>
+          <p:nvPr/>
+        </p:nvPicPr>
+        <p:blipFill>
+          <a:blip r:embed="rId2"/>
+          <a:stretch>
+            <a:fillRect/>
+          </a:stretch>
+        </p:blipFill>
+        <p:spPr>
+          <a:xfrm>
+            <a:off x="956999" y="1640632"/>
+            <a:ext cx="6791326" cy="4748242"/>
+          </a:xfrm>
+          <a:prstGeom prst="rect">
+            <a:avLst/>
+          </a:prstGeom>
+        </p:spPr>
+      </p:pic>
+    </p:spTree>
+    <p:extLst>
+      <p:ext uri="{BB962C8B-B14F-4D97-AF65-F5344CB8AC3E}">
+        <p14:creationId xmlns:p14="http://schemas.microsoft.com/office/powerpoint/2010/main" val="4084902898"/>
+      </p:ext>
+    </p:extLst>
+  </p:cSld>
+  <p:clrMapOvr>
+    <a:masterClrMapping/>
+  </p:clrMapOvr>
+</p:sld>
+</file>
+
+<file path=ppt/slides/slide11.xml><?xml version="1.0" encoding="utf-8"?>
+<p:sld xmlns:a="http://schemas.openxmlformats.org/drawingml/2006/main" xmlns:r="http://schemas.openxmlformats.org/officeDocument/2006/relationships" xmlns:p="http://schemas.openxmlformats.org/presentationml/2006/main">
+  <p:cSld>
+    <p:spTree>
+      <p:nvGrpSpPr>
+        <p:cNvPr id="1" name=""/>
+        <p:cNvGrpSpPr/>
+        <p:nvPr/>
+      </p:nvGrpSpPr>
+      <p:grpSpPr>
+        <a:xfrm>
+          <a:off x="0" y="0"/>
+          <a:ext cx="0" cy="0"/>
+          <a:chOff x="0" y="0"/>
+          <a:chExt cx="0" cy="0"/>
+        </a:xfrm>
+      </p:grpSpPr>
+      <p:sp>
+        <p:nvSpPr>
+          <p:cNvPr id="2" name="Title 1">
+            <a:extLst>
+              <a:ext uri="{FF2B5EF4-FFF2-40B4-BE49-F238E27FC236}">
+                <a16:creationId xmlns:a16="http://schemas.microsoft.com/office/drawing/2014/main" id="{7D3EFBD5-1114-455F-9C61-13D84C99B936}"/>
+              </a:ext>
+            </a:extLst>
+          </p:cNvPr>
+          <p:cNvSpPr>
+            <a:spLocks noGrp="1"/>
+          </p:cNvSpPr>
+          <p:nvPr>
+            <p:ph type="title"/>
+          </p:nvPr>
+        </p:nvSpPr>
+        <p:spPr/>
+        <p:txBody>
+          <a:bodyPr/>
+          <a:lstStyle/>
+          <a:p>
+            <a:r>
+              <a:rPr lang="en-US" dirty="0"/>
+              <a:t>The Application</a:t>
+            </a:r>
+          </a:p>
+        </p:txBody>
+      </p:sp>
+      <p:sp>
+        <p:nvSpPr>
+          <p:cNvPr id="3" name="Content Placeholder 2">
+            <a:extLst>
+              <a:ext uri="{FF2B5EF4-FFF2-40B4-BE49-F238E27FC236}">
+                <a16:creationId xmlns:a16="http://schemas.microsoft.com/office/drawing/2014/main" id="{63F0A321-4AEA-429B-85A2-73AD4DBA8BED}"/>
+              </a:ext>
+            </a:extLst>
+          </p:cNvPr>
+          <p:cNvSpPr>
+            <a:spLocks noGrp="1"/>
+          </p:cNvSpPr>
+          <p:nvPr>
+            <p:ph idx="1"/>
+          </p:nvPr>
+        </p:nvSpPr>
+        <p:spPr>
+          <a:xfrm>
+            <a:off x="838200" y="2862469"/>
+            <a:ext cx="10515600" cy="3314493"/>
+          </a:xfrm>
+        </p:spPr>
+        <p:txBody>
+          <a:bodyPr>
+            <a:normAutofit/>
+          </a:bodyPr>
+          <a:lstStyle/>
+          <a:p>
+            <a:pPr marL="0" indent="0" algn="ctr">
+              <a:buNone/>
+            </a:pPr>
+            <a:r>
+              <a:rPr lang="en-US" sz="9600" dirty="0"/>
+              <a:t>Live Coding!</a:t>
+            </a:r>
+          </a:p>
+        </p:txBody>
+      </p:sp>
+    </p:spTree>
+    <p:extLst>
+      <p:ext uri="{BB962C8B-B14F-4D97-AF65-F5344CB8AC3E}">
+        <p14:creationId xmlns:p14="http://schemas.microsoft.com/office/powerpoint/2010/main" val="724343745"/>
+      </p:ext>
+    </p:extLst>
+  </p:cSld>
+  <p:clrMapOvr>
+    <a:masterClrMapping/>
+  </p:clrMapOvr>
+</p:sld>
+</file>
+
+<file path=ppt/slides/slide12.xml><?xml version="1.0" encoding="utf-8"?>
+<p:sld xmlns:a="http://schemas.openxmlformats.org/drawingml/2006/main" xmlns:r="http://schemas.openxmlformats.org/officeDocument/2006/relationships" xmlns:p="http://schemas.openxmlformats.org/presentationml/2006/main">
+  <p:cSld>
+    <p:spTree>
+      <p:nvGrpSpPr>
+        <p:cNvPr id="1" name=""/>
+        <p:cNvGrpSpPr/>
+        <p:nvPr/>
+      </p:nvGrpSpPr>
+      <p:grpSpPr>
+        <a:xfrm>
+          <a:off x="0" y="0"/>
+          <a:ext cx="0" cy="0"/>
+          <a:chOff x="0" y="0"/>
+          <a:chExt cx="0" cy="0"/>
+        </a:xfrm>
+      </p:grpSpPr>
+      <p:sp>
+        <p:nvSpPr>
+          <p:cNvPr id="2" name="Title 1">
+            <a:extLst>
+              <a:ext uri="{FF2B5EF4-FFF2-40B4-BE49-F238E27FC236}">
+                <a16:creationId xmlns:a16="http://schemas.microsoft.com/office/drawing/2014/main" id="{57071780-EF2D-4262-B357-50409AB633FF}"/>
+              </a:ext>
+            </a:extLst>
+          </p:cNvPr>
+          <p:cNvSpPr>
+            <a:spLocks noGrp="1"/>
+          </p:cNvSpPr>
+          <p:nvPr>
+            <p:ph type="title"/>
+          </p:nvPr>
+        </p:nvSpPr>
+        <p:spPr/>
+        <p:txBody>
+          <a:bodyPr/>
+          <a:lstStyle/>
+          <a:p>
+            <a:r>
+              <a:rPr lang="en-US" dirty="0"/>
+              <a:t>Thanks!</a:t>
+            </a:r>
+          </a:p>
+        </p:txBody>
+      </p:sp>
+      <p:sp>
+        <p:nvSpPr>
+          <p:cNvPr id="3" name="Content Placeholder 2">
+            <a:extLst>
+              <a:ext uri="{FF2B5EF4-FFF2-40B4-BE49-F238E27FC236}">
+                <a16:creationId xmlns:a16="http://schemas.microsoft.com/office/drawing/2014/main" id="{DC9082AB-6342-4C6A-8FEB-0338D4F20DC8}"/>
+              </a:ext>
+            </a:extLst>
+          </p:cNvPr>
+          <p:cNvSpPr>
+            <a:spLocks noGrp="1"/>
+          </p:cNvSpPr>
+          <p:nvPr>
+            <p:ph idx="1"/>
+          </p:nvPr>
+        </p:nvSpPr>
+        <p:spPr/>
+        <p:txBody>
+          <a:bodyPr/>
+          <a:lstStyle/>
+          <a:p>
+            <a:r>
+              <a:rPr lang="en-US" dirty="0"/>
+              <a:t>The Presentation</a:t>
+            </a:r>
+            <a:br>
+              <a:rPr lang="en-US" dirty="0"/>
+            </a:br>
+            <a:r>
+              <a:rPr lang="en-US" dirty="0">
+                <a:hlinkClick r:id="rId2"/>
+              </a:rPr>
+              <a:t>https://github.com/hikalkan/presentations</a:t>
+            </a:r>
+            <a:endParaRPr lang="en-US" dirty="0"/>
+          </a:p>
+          <a:p>
+            <a:r>
+              <a:rPr lang="en-US" dirty="0"/>
+              <a:t>The Source Code</a:t>
+            </a:r>
+            <a:br>
+              <a:rPr lang="en-US" dirty="0"/>
+            </a:br>
+            <a:r>
+              <a:rPr lang="en-US" sz="2800" dirty="0">
+                <a:hlinkClick r:id="rId3"/>
+              </a:rPr>
+              <a:t>http://bitly.com/abp-event-organizer</a:t>
+            </a:r>
+            <a:br>
+              <a:rPr lang="en-US" dirty="0"/>
+            </a:br>
+            <a:r>
+              <a:rPr lang="en-US" dirty="0"/>
+              <a:t>(</a:t>
+            </a:r>
+            <a:r>
+              <a:rPr lang="en-US" sz="1600" i="1" dirty="0">
+                <a:hlinkClick r:id="rId4"/>
+              </a:rPr>
+              <a:t>https://github.com/abpframework/abp-samples/tree/master/EventOrganizer</a:t>
+            </a:r>
+            <a:r>
+              <a:rPr lang="en-US" sz="2400" dirty="0"/>
+              <a:t>)</a:t>
+            </a:r>
+            <a:br>
+              <a:rPr lang="en-US" sz="2400" dirty="0"/>
+            </a:br>
+            <a:endParaRPr lang="en-US" sz="2400" dirty="0"/>
+          </a:p>
+        </p:txBody>
+      </p:sp>
+      <p:sp>
+        <p:nvSpPr>
+          <p:cNvPr id="5" name="TextBox 4">
+            <a:extLst>
+              <a:ext uri="{FF2B5EF4-FFF2-40B4-BE49-F238E27FC236}">
+                <a16:creationId xmlns:a16="http://schemas.microsoft.com/office/drawing/2014/main" id="{5CB495B7-28F8-47C9-80EF-636EFB98A7A4}"/>
+              </a:ext>
+            </a:extLst>
+          </p:cNvPr>
+          <p:cNvSpPr txBox="1"/>
+          <p:nvPr/>
+        </p:nvSpPr>
+        <p:spPr>
+          <a:xfrm>
+            <a:off x="1175182" y="4575090"/>
+            <a:ext cx="6096740" cy="830997"/>
+          </a:xfrm>
+          <a:prstGeom prst="rect">
+            <a:avLst/>
+          </a:prstGeom>
+          <a:noFill/>
+        </p:spPr>
+        <p:txBody>
+          <a:bodyPr wrap="square">
+            <a:spAutoFit/>
+          </a:bodyPr>
+          <a:lstStyle/>
+          <a:p>
+            <a:pPr marL="0" indent="0">
+              <a:lnSpc>
+                <a:spcPct val="100000"/>
+              </a:lnSpc>
+              <a:buNone/>
+            </a:pPr>
+            <a:r>
+              <a:rPr lang="en-US" sz="2400" b="1" dirty="0" err="1">
+                <a:latin typeface="HelveticaNeueLT Std" panose="020B0604020202020204" pitchFamily="34" charset="0"/>
+              </a:rPr>
+              <a:t>Github</a:t>
+            </a:r>
+            <a:r>
+              <a:rPr lang="en-US" sz="2400" b="1" dirty="0">
+                <a:latin typeface="HelveticaNeueLT Std" panose="020B0604020202020204" pitchFamily="34" charset="0"/>
+              </a:rPr>
+              <a:t>: </a:t>
+            </a:r>
+            <a:r>
+              <a:rPr lang="en-US" sz="2400" dirty="0">
+                <a:latin typeface="HelveticaNeueLT Std" panose="020B0604020202020204" pitchFamily="34" charset="0"/>
+              </a:rPr>
+              <a:t>@hikalkan</a:t>
+            </a:r>
+          </a:p>
+          <a:p>
+            <a:pPr marL="0" indent="0">
+              <a:lnSpc>
+                <a:spcPct val="100000"/>
+              </a:lnSpc>
+              <a:buNone/>
+            </a:pPr>
+            <a:r>
+              <a:rPr lang="en-US" sz="2400" b="1" dirty="0">
+                <a:latin typeface="HelveticaNeueLT Std" panose="020B0604020202020204" pitchFamily="34" charset="0"/>
+              </a:rPr>
+              <a:t>Twitter: </a:t>
+            </a:r>
+            <a:r>
+              <a:rPr lang="en-US" sz="2400" dirty="0">
+                <a:latin typeface="HelveticaNeueLT Std" panose="020B0604020202020204" pitchFamily="34" charset="0"/>
+              </a:rPr>
+              <a:t>@hibrahimkalkan</a:t>
+            </a:r>
+          </a:p>
+        </p:txBody>
+      </p:sp>
+    </p:spTree>
+    <p:extLst>
+      <p:ext uri="{BB962C8B-B14F-4D97-AF65-F5344CB8AC3E}">
+        <p14:creationId xmlns:p14="http://schemas.microsoft.com/office/powerpoint/2010/main" val="2262060156"/>
+      </p:ext>
+    </p:extLst>
+  </p:cSld>
+  <p:clrMapOvr>
+    <a:masterClrMapping/>
+  </p:clrMapOvr>
+</p:sld>
+</file>
+
 <file path=ppt/slides/slide2.xml><?xml version="1.0" encoding="utf-8"?>
 <p:sld xmlns:a="http://schemas.openxmlformats.org/drawingml/2006/main" xmlns:r="http://schemas.openxmlformats.org/officeDocument/2006/relationships" xmlns:p="http://schemas.openxmlformats.org/presentationml/2006/main">
   <p:cSld>
@@ -3835,10 +4235,10 @@
       </p:sp>
       <p:pic>
         <p:nvPicPr>
-          <p:cNvPr id="22" name="Resim 21">
-            <a:extLst>
-              <a:ext uri="{FF2B5EF4-FFF2-40B4-BE49-F238E27FC236}">
-                <a16:creationId xmlns:a16="http://schemas.microsoft.com/office/drawing/2014/main" id="{60D137D5-AADA-4A8D-875C-9D646ED80FE7}"/>
+          <p:cNvPr id="5" name="Picture 4">
+            <a:extLst>
+              <a:ext uri="{FF2B5EF4-FFF2-40B4-BE49-F238E27FC236}">
+                <a16:creationId xmlns:a16="http://schemas.microsoft.com/office/drawing/2014/main" id="{84AF17A9-BF7D-4996-B3DF-D11B60921891}"/>
               </a:ext>
             </a:extLst>
           </p:cNvPr>
@@ -3848,21 +4248,15 @@
           <p:nvPr/>
         </p:nvPicPr>
         <p:blipFill>
-          <a:blip r:embed="rId3">
-            <a:extLst>
-              <a:ext uri="{28A0092B-C50C-407E-A947-70E740481C1C}">
-                <a14:useLocalDpi xmlns:a14="http://schemas.microsoft.com/office/drawing/2010/main" val="0"/>
-              </a:ext>
-            </a:extLst>
-          </a:blip>
+          <a:blip r:embed="rId3"/>
           <a:stretch>
             <a:fillRect/>
           </a:stretch>
         </p:blipFill>
         <p:spPr>
           <a:xfrm>
-            <a:off x="15239" y="0"/>
-            <a:ext cx="12192000" cy="6858000"/>
+            <a:off x="8777233" y="1251973"/>
+            <a:ext cx="3192410" cy="4650470"/>
           </a:xfrm>
           <a:prstGeom prst="rect">
             <a:avLst/>
@@ -3871,10 +4265,10 @@
       </p:pic>
       <p:pic>
         <p:nvPicPr>
-          <p:cNvPr id="5" name="Picture 4">
-            <a:extLst>
-              <a:ext uri="{FF2B5EF4-FFF2-40B4-BE49-F238E27FC236}">
-                <a16:creationId xmlns:a16="http://schemas.microsoft.com/office/drawing/2014/main" id="{84AF17A9-BF7D-4996-B3DF-D11B60921891}"/>
+          <p:cNvPr id="6" name="Picture 5">
+            <a:extLst>
+              <a:ext uri="{FF2B5EF4-FFF2-40B4-BE49-F238E27FC236}">
+                <a16:creationId xmlns:a16="http://schemas.microsoft.com/office/drawing/2014/main" id="{DF7E7EB9-D22E-4434-A53E-DDF1AADBB13D}"/>
               </a:ext>
             </a:extLst>
           </p:cNvPr>
@@ -3891,8 +4285,8 @@
         </p:blipFill>
         <p:spPr>
           <a:xfrm>
-            <a:off x="8581451" y="790592"/>
-            <a:ext cx="3626734" cy="5283161"/>
+            <a:off x="425590" y="2237206"/>
+            <a:ext cx="2885440" cy="2680004"/>
           </a:xfrm>
           <a:prstGeom prst="rect">
             <a:avLst/>
@@ -3988,11 +4382,126 @@
           <a:p>
             <a:r>
               <a:rPr lang="en-US" dirty="0"/>
-              <a:t>…</a:t>
-            </a:r>
-          </a:p>
-        </p:txBody>
-      </p:sp>
+              <a:t>Pros</a:t>
+            </a:r>
+          </a:p>
+          <a:p>
+            <a:pPr lvl="1"/>
+            <a:r>
+              <a:rPr lang="en-US" b="1" dirty="0"/>
+              <a:t>C# </a:t>
+            </a:r>
+            <a:r>
+              <a:rPr lang="en-US" dirty="0"/>
+              <a:t>instead of JavaScript</a:t>
+            </a:r>
+          </a:p>
+          <a:p>
+            <a:pPr lvl="1"/>
+            <a:r>
+              <a:rPr lang="en-US" b="1" dirty="0"/>
+              <a:t>.NET </a:t>
+            </a:r>
+            <a:r>
+              <a:rPr lang="en-US" dirty="0"/>
+              <a:t>platform runs on the Browser over </a:t>
+            </a:r>
+            <a:r>
+              <a:rPr lang="en-US" b="1" dirty="0" err="1"/>
+              <a:t>WebAssembly</a:t>
+            </a:r>
+            <a:endParaRPr lang="en-US" b="1" dirty="0"/>
+          </a:p>
+          <a:p>
+            <a:pPr lvl="2"/>
+            <a:r>
+              <a:rPr lang="en-US" dirty="0"/>
+              <a:t>All the .NET Ecosystem (NuGet packages) in the client side!</a:t>
+            </a:r>
+          </a:p>
+          <a:p>
+            <a:pPr lvl="1"/>
+            <a:r>
+              <a:rPr lang="en-US" dirty="0"/>
+              <a:t>Code sharing (DTOs, validation logic, utils…) between client &amp; server.</a:t>
+            </a:r>
+          </a:p>
+          <a:p>
+            <a:pPr lvl="1"/>
+            <a:r>
+              <a:rPr lang="en-US" dirty="0"/>
+              <a:t>JavaScript </a:t>
+            </a:r>
+            <a:r>
+              <a:rPr lang="en-US" b="1" dirty="0"/>
+              <a:t>Interop</a:t>
+            </a:r>
+          </a:p>
+          <a:p>
+            <a:r>
+              <a:rPr lang="en-US" dirty="0"/>
+              <a:t>Cons</a:t>
+            </a:r>
+          </a:p>
+          <a:p>
+            <a:pPr lvl="1"/>
+            <a:r>
+              <a:rPr lang="en-US" dirty="0"/>
+              <a:t>Initial Load &amp; Runtime performance</a:t>
+            </a:r>
+          </a:p>
+          <a:p>
+            <a:pPr lvl="1"/>
+            <a:r>
+              <a:rPr lang="en-US" dirty="0"/>
+              <a:t>Limited Debugging</a:t>
+            </a:r>
+          </a:p>
+          <a:p>
+            <a:pPr lvl="1"/>
+            <a:r>
+              <a:rPr lang="en-US" dirty="0"/>
+              <a:t>UI Component libraries are not mature &amp; rich.</a:t>
+            </a:r>
+          </a:p>
+        </p:txBody>
+      </p:sp>
+      <p:pic>
+        <p:nvPicPr>
+          <p:cNvPr id="4" name="Picture 3">
+            <a:extLst>
+              <a:ext uri="{FF2B5EF4-FFF2-40B4-BE49-F238E27FC236}">
+                <a16:creationId xmlns:a16="http://schemas.microsoft.com/office/drawing/2014/main" id="{03A8685D-E709-4F8B-B514-2A8A7DC4008A}"/>
+              </a:ext>
+            </a:extLst>
+          </p:cNvPr>
+          <p:cNvPicPr>
+            <a:picLocks noChangeAspect="1"/>
+          </p:cNvPicPr>
+          <p:nvPr/>
+        </p:nvPicPr>
+        <p:blipFill>
+          <a:blip r:embed="rId2">
+            <a:extLst>
+              <a:ext uri="{28A0092B-C50C-407E-A947-70E740481C1C}">
+                <a14:useLocalDpi xmlns:a14="http://schemas.microsoft.com/office/drawing/2010/main" val="0"/>
+              </a:ext>
+            </a:extLst>
+          </a:blip>
+          <a:stretch>
+            <a:fillRect/>
+          </a:stretch>
+        </p:blipFill>
+        <p:spPr>
+          <a:xfrm>
+            <a:off x="8528565" y="104997"/>
+            <a:ext cx="2703530" cy="2703530"/>
+          </a:xfrm>
+          <a:prstGeom prst="rect">
+            <a:avLst/>
+          </a:prstGeom>
+        </p:spPr>
+      </p:pic>
     </p:spTree>
     <p:extLst>
       <p:ext uri="{BB962C8B-B14F-4D97-AF65-F5344CB8AC3E}">
@@ -4023,66 +4532,40 @@
           <a:chExt cx="0" cy="0"/>
         </a:xfrm>
       </p:grpSpPr>
-      <p:sp>
-        <p:nvSpPr>
-          <p:cNvPr id="2" name="Title 1">
-            <a:extLst>
-              <a:ext uri="{FF2B5EF4-FFF2-40B4-BE49-F238E27FC236}">
-                <a16:creationId xmlns:a16="http://schemas.microsoft.com/office/drawing/2014/main" id="{EFF62292-6396-4B47-815B-B69BC777BC14}"/>
-              </a:ext>
-            </a:extLst>
-          </p:cNvPr>
-          <p:cNvSpPr>
-            <a:spLocks noGrp="1"/>
-          </p:cNvSpPr>
-          <p:nvPr>
-            <p:ph type="title"/>
-          </p:nvPr>
-        </p:nvSpPr>
-        <p:spPr/>
-        <p:txBody>
-          <a:bodyPr/>
-          <a:lstStyle/>
-          <a:p>
-            <a:r>
-              <a:rPr lang="en-US" dirty="0"/>
-              <a:t>What is the ABP Framework?</a:t>
-            </a:r>
-          </a:p>
-        </p:txBody>
-      </p:sp>
-      <p:sp>
-        <p:nvSpPr>
-          <p:cNvPr id="3" name="Content Placeholder 2">
-            <a:extLst>
-              <a:ext uri="{FF2B5EF4-FFF2-40B4-BE49-F238E27FC236}">
-                <a16:creationId xmlns:a16="http://schemas.microsoft.com/office/drawing/2014/main" id="{66B9A5F8-C832-494C-B3CD-0DE945FDFC31}"/>
-              </a:ext>
-            </a:extLst>
-          </p:cNvPr>
-          <p:cNvSpPr>
-            <a:spLocks noGrp="1"/>
-          </p:cNvSpPr>
-          <p:nvPr>
-            <p:ph idx="1"/>
-          </p:nvPr>
-        </p:nvSpPr>
-        <p:spPr/>
-        <p:txBody>
-          <a:bodyPr/>
-          <a:lstStyle/>
-          <a:p>
-            <a:r>
-              <a:rPr lang="en-US" dirty="0"/>
-              <a:t>…</a:t>
-            </a:r>
-          </a:p>
-        </p:txBody>
-      </p:sp>
+      <p:pic>
+        <p:nvPicPr>
+          <p:cNvPr id="5" name="Picture 4">
+            <a:extLst>
+              <a:ext uri="{FF2B5EF4-FFF2-40B4-BE49-F238E27FC236}">
+                <a16:creationId xmlns:a16="http://schemas.microsoft.com/office/drawing/2014/main" id="{45933EDB-6489-4E18-835A-62AEFB6DF315}"/>
+              </a:ext>
+            </a:extLst>
+          </p:cNvPr>
+          <p:cNvPicPr>
+            <a:picLocks noChangeAspect="1"/>
+          </p:cNvPicPr>
+          <p:nvPr/>
+        </p:nvPicPr>
+        <p:blipFill>
+          <a:blip r:embed="rId2"/>
+          <a:stretch>
+            <a:fillRect/>
+          </a:stretch>
+        </p:blipFill>
+        <p:spPr>
+          <a:xfrm>
+            <a:off x="703689" y="858880"/>
+            <a:ext cx="10626920" cy="5140239"/>
+          </a:xfrm>
+          <a:prstGeom prst="rect">
+            <a:avLst/>
+          </a:prstGeom>
+        </p:spPr>
+      </p:pic>
     </p:spTree>
     <p:extLst>
       <p:ext uri="{BB962C8B-B14F-4D97-AF65-F5344CB8AC3E}">
-        <p14:creationId xmlns:p14="http://schemas.microsoft.com/office/powerpoint/2010/main" val="2275341676"/>
+        <p14:creationId xmlns:p14="http://schemas.microsoft.com/office/powerpoint/2010/main" val="2207743504"/>
       </p:ext>
     </p:extLst>
   </p:cSld>
@@ -4114,7 +4597,7 @@
           <p:cNvPr id="2" name="Title 1">
             <a:extLst>
               <a:ext uri="{FF2B5EF4-FFF2-40B4-BE49-F238E27FC236}">
-                <a16:creationId xmlns:a16="http://schemas.microsoft.com/office/drawing/2014/main" id="{96EA2EAE-4EF6-4B06-AAAD-C397F770234D}"/>
+                <a16:creationId xmlns:a16="http://schemas.microsoft.com/office/drawing/2014/main" id="{C32D95FF-9BF8-410A-8A65-17D93F9F1F9E}"/>
               </a:ext>
             </a:extLst>
           </p:cNvPr>
@@ -4131,107 +4614,67 @@
           <a:lstStyle/>
           <a:p>
             <a:r>
+              <a:rPr lang="en-US" dirty="0" err="1"/>
+              <a:t>Blazor</a:t>
+            </a:r>
+            <a:r>
               <a:rPr lang="en-US" dirty="0"/>
-              <a:t>The Application / Tooling</a:t>
-            </a:r>
-          </a:p>
-        </p:txBody>
-      </p:sp>
-      <p:sp>
-        <p:nvSpPr>
-          <p:cNvPr id="3" name="Content Placeholder 2">
-            <a:extLst>
-              <a:ext uri="{FF2B5EF4-FFF2-40B4-BE49-F238E27FC236}">
-                <a16:creationId xmlns:a16="http://schemas.microsoft.com/office/drawing/2014/main" id="{4A621525-1CC2-4232-99F7-70E8F0866016}"/>
-              </a:ext>
-            </a:extLst>
-          </p:cNvPr>
-          <p:cNvSpPr>
-            <a:spLocks noGrp="1"/>
-          </p:cNvSpPr>
-          <p:nvPr>
-            <p:ph idx="1"/>
-          </p:nvPr>
-        </p:nvSpPr>
-        <p:spPr/>
-        <p:txBody>
-          <a:bodyPr/>
-          <a:lstStyle/>
-          <a:p>
-            <a:r>
-              <a:rPr lang="en-US" dirty="0"/>
-              <a:t>Tooling</a:t>
-            </a:r>
-          </a:p>
-          <a:p>
-            <a:pPr lvl="1"/>
-            <a:r>
-              <a:rPr lang="en-US" b="1" dirty="0"/>
-              <a:t>.NET 5.0 &amp; ASP.NET Core 5.0 </a:t>
-            </a:r>
-            <a:r>
-              <a:rPr lang="en-US" dirty="0"/>
-              <a:t>as the base framework</a:t>
-            </a:r>
-          </a:p>
-          <a:p>
-            <a:pPr lvl="1"/>
-            <a:r>
-              <a:rPr lang="en-US" b="1" dirty="0"/>
-              <a:t>ABP Framework </a:t>
-            </a:r>
-            <a:r>
-              <a:rPr lang="en-US" dirty="0"/>
-              <a:t>as the application framework</a:t>
-            </a:r>
-          </a:p>
-          <a:p>
-            <a:pPr lvl="1"/>
-            <a:r>
-              <a:rPr lang="en-US" b="1" dirty="0" err="1"/>
-              <a:t>Blazor</a:t>
-            </a:r>
-            <a:r>
-              <a:rPr lang="en-US" b="1" dirty="0"/>
-              <a:t> </a:t>
-            </a:r>
-            <a:r>
-              <a:rPr lang="en-US" dirty="0"/>
-              <a:t>as the UI framework</a:t>
-            </a:r>
-          </a:p>
-          <a:p>
-            <a:pPr lvl="1"/>
-            <a:r>
-              <a:rPr lang="en-US" b="1" dirty="0"/>
-              <a:t>MongoDB </a:t>
-            </a:r>
-            <a:r>
-              <a:rPr lang="en-US" dirty="0"/>
-              <a:t>as the database provider</a:t>
-            </a:r>
-          </a:p>
-          <a:p>
-            <a:pPr lvl="1"/>
-            <a:r>
-              <a:rPr lang="en-US" b="1" dirty="0" err="1"/>
-              <a:t>Blazorise</a:t>
-            </a:r>
-            <a:r>
-              <a:rPr lang="en-US" b="1" dirty="0"/>
-              <a:t> </a:t>
-            </a:r>
-            <a:r>
-              <a:rPr lang="en-US" dirty="0"/>
-              <a:t>as a component library</a:t>
-            </a:r>
-          </a:p>
-        </p:txBody>
-      </p:sp>
+              <a:t>: Razor Components</a:t>
+            </a:r>
+          </a:p>
+        </p:txBody>
+      </p:sp>
+      <p:pic>
+        <p:nvPicPr>
+          <p:cNvPr id="2050" name="Picture 2">
+            <a:extLst>
+              <a:ext uri="{FF2B5EF4-FFF2-40B4-BE49-F238E27FC236}">
+                <a16:creationId xmlns:a16="http://schemas.microsoft.com/office/drawing/2014/main" id="{758FA740-600A-424D-966D-7B71AD328221}"/>
+              </a:ext>
+            </a:extLst>
+          </p:cNvPr>
+          <p:cNvPicPr>
+            <a:picLocks noChangeAspect="1" noChangeArrowheads="1"/>
+          </p:cNvPicPr>
+          <p:nvPr/>
+        </p:nvPicPr>
+        <p:blipFill>
+          <a:blip r:embed="rId2">
+            <a:extLst>
+              <a:ext uri="{28A0092B-C50C-407E-A947-70E740481C1C}">
+                <a14:useLocalDpi xmlns:a14="http://schemas.microsoft.com/office/drawing/2010/main" val="0"/>
+              </a:ext>
+            </a:extLst>
+          </a:blip>
+          <a:srcRect/>
+          <a:stretch>
+            <a:fillRect/>
+          </a:stretch>
+        </p:blipFill>
+        <p:spPr bwMode="auto">
+          <a:xfrm>
+            <a:off x="838200" y="1806519"/>
+            <a:ext cx="9623710" cy="3711685"/>
+          </a:xfrm>
+          <a:prstGeom prst="rect">
+            <a:avLst/>
+          </a:prstGeom>
+          <a:noFill/>
+          <a:extLst>
+            <a:ext uri="{909E8E84-426E-40DD-AFC4-6F175D3DCCD1}">
+              <a14:hiddenFill xmlns:a14="http://schemas.microsoft.com/office/drawing/2010/main">
+                <a:solidFill>
+                  <a:srgbClr val="FFFFFF"/>
+                </a:solidFill>
+              </a14:hiddenFill>
+            </a:ext>
+          </a:extLst>
+        </p:spPr>
+      </p:pic>
     </p:spTree>
     <p:extLst>
       <p:ext uri="{BB962C8B-B14F-4D97-AF65-F5344CB8AC3E}">
-        <p14:creationId xmlns:p14="http://schemas.microsoft.com/office/powerpoint/2010/main" val="4036787460"/>
+        <p14:creationId xmlns:p14="http://schemas.microsoft.com/office/powerpoint/2010/main" val="1514895858"/>
       </p:ext>
     </p:extLst>
   </p:cSld>
@@ -4263,7 +4706,7 @@
           <p:cNvPr id="2" name="Title 1">
             <a:extLst>
               <a:ext uri="{FF2B5EF4-FFF2-40B4-BE49-F238E27FC236}">
-                <a16:creationId xmlns:a16="http://schemas.microsoft.com/office/drawing/2014/main" id="{D41E3021-31EC-4042-A6F4-A5233184AC97}"/>
+                <a16:creationId xmlns:a16="http://schemas.microsoft.com/office/drawing/2014/main" id="{96A8FCD3-FFFA-4E4B-8A33-5902AB2823F2}"/>
               </a:ext>
             </a:extLst>
           </p:cNvPr>
@@ -4281,7 +4724,7 @@
           <a:p>
             <a:r>
               <a:rPr lang="en-US" dirty="0"/>
-              <a:t>The Application / Event List (Home Page)</a:t>
+              <a:t>What is the ABP Framework?</a:t>
             </a:r>
           </a:p>
         </p:txBody>
@@ -4291,7 +4734,7 @@
           <p:cNvPr id="3" name="Content Placeholder 2">
             <a:extLst>
               <a:ext uri="{FF2B5EF4-FFF2-40B4-BE49-F238E27FC236}">
-                <a16:creationId xmlns:a16="http://schemas.microsoft.com/office/drawing/2014/main" id="{392F0F47-CAC2-419B-B8B9-838C7A8E7076}"/>
+                <a16:creationId xmlns:a16="http://schemas.microsoft.com/office/drawing/2014/main" id="{3635B2A4-4429-4F58-8E61-9C6A42B158A0}"/>
               </a:ext>
             </a:extLst>
           </p:cNvPr>
@@ -4307,14 +4750,146 @@
           <a:bodyPr/>
           <a:lstStyle/>
           <a:p>
-            <a:endParaRPr lang="en-US" dirty="0"/>
-          </a:p>
-        </p:txBody>
-      </p:sp>
+            <a:r>
+              <a:rPr lang="en-US" dirty="0"/>
+              <a:t>A </a:t>
+            </a:r>
+            <a:r>
+              <a:rPr lang="en-US" b="1" dirty="0"/>
+              <a:t>complementary framework </a:t>
+            </a:r>
+            <a:r>
+              <a:rPr lang="en-US" dirty="0"/>
+              <a:t>to ASP.NET Core for real-life solutions.</a:t>
+            </a:r>
+          </a:p>
+          <a:p>
+            <a:r>
+              <a:rPr lang="en-US" dirty="0"/>
+              <a:t>Complete </a:t>
+            </a:r>
+            <a:r>
+              <a:rPr lang="en-US" b="1" dirty="0"/>
+              <a:t>architecture</a:t>
+            </a:r>
+            <a:r>
+              <a:rPr lang="en-US" dirty="0"/>
+              <a:t> &amp; </a:t>
+            </a:r>
+            <a:r>
+              <a:rPr lang="en-US" b="1" dirty="0"/>
+              <a:t>infrastructure</a:t>
+            </a:r>
+          </a:p>
+          <a:p>
+            <a:r>
+              <a:rPr lang="en-US" b="1" dirty="0"/>
+              <a:t>Modular</a:t>
+            </a:r>
+            <a:r>
+              <a:rPr lang="en-US" dirty="0"/>
+              <a:t> &amp; </a:t>
+            </a:r>
+            <a:r>
+              <a:rPr lang="en-US" b="1" dirty="0"/>
+              <a:t>microservice</a:t>
+            </a:r>
+            <a:r>
+              <a:rPr lang="en-US" dirty="0"/>
+              <a:t> compatible</a:t>
+            </a:r>
+          </a:p>
+          <a:p>
+            <a:r>
+              <a:rPr lang="en-US" b="1" dirty="0"/>
+              <a:t>Multi-Tenancy</a:t>
+            </a:r>
+            <a:r>
+              <a:rPr lang="en-US" dirty="0"/>
+              <a:t> (for SaaS solutions)</a:t>
+            </a:r>
+          </a:p>
+          <a:p>
+            <a:r>
+              <a:rPr lang="en-US" dirty="0"/>
+              <a:t>Developer friendly</a:t>
+            </a:r>
+          </a:p>
+        </p:txBody>
+      </p:sp>
+      <p:graphicFrame>
+        <p:nvGraphicFramePr>
+          <p:cNvPr id="4" name="Object 3">
+            <a:extLst>
+              <a:ext uri="{FF2B5EF4-FFF2-40B4-BE49-F238E27FC236}">
+                <a16:creationId xmlns:a16="http://schemas.microsoft.com/office/drawing/2014/main" id="{E64C8647-5A7B-4776-8AB1-519490EC3698}"/>
+              </a:ext>
+            </a:extLst>
+          </p:cNvPr>
+          <p:cNvGraphicFramePr>
+            <a:graphicFrameLocks noChangeAspect="1"/>
+          </p:cNvGraphicFramePr>
+          <p:nvPr>
+            <p:extLst>
+              <p:ext uri="{D42A27DB-BD31-4B8C-83A1-F6EECF244321}">
+                <p14:modId xmlns:p14="http://schemas.microsoft.com/office/powerpoint/2010/main" val="2316807993"/>
+              </p:ext>
+            </p:extLst>
+          </p:nvPr>
+        </p:nvGraphicFramePr>
+        <p:xfrm>
+          <a:off x="7988865" y="3429000"/>
+          <a:ext cx="2610224" cy="2584508"/>
+        </p:xfrm>
+        <a:graphic>
+          <a:graphicData uri="http://schemas.openxmlformats.org/presentationml/2006/ole">
+            <mc:AlternateContent xmlns:mc="http://schemas.openxmlformats.org/markup-compatibility/2006">
+              <mc:Choice xmlns:v="urn:schemas-microsoft-com:vml" Requires="v">
+                <p:oleObj spid="_x0000_s3081" name="PDF" r:id="rId3" imgW="0" imgH="360" progId="FoxitReader.Document">
+                  <p:embed/>
+                </p:oleObj>
+              </mc:Choice>
+              <mc:Fallback>
+                <p:oleObj name="PDF" r:id="rId3" imgW="0" imgH="360" progId="FoxitReader.Document">
+                  <p:embed/>
+                  <p:pic>
+                    <p:nvPicPr>
+                      <p:cNvPr id="6" name="Object 5">
+                        <a:extLst>
+                          <a:ext uri="{FF2B5EF4-FFF2-40B4-BE49-F238E27FC236}">
+                            <a16:creationId xmlns:a16="http://schemas.microsoft.com/office/drawing/2014/main" id="{871AE6E9-2360-42A0-A914-B452B25C5D8D}"/>
+                          </a:ext>
+                        </a:extLst>
+                      </p:cNvPr>
+                      <p:cNvPicPr/>
+                      <p:nvPr/>
+                    </p:nvPicPr>
+                    <p:blipFill>
+                      <a:blip r:embed="rId4"/>
+                      <a:stretch>
+                        <a:fillRect/>
+                      </a:stretch>
+                    </p:blipFill>
+                    <p:spPr>
+                      <a:xfrm>
+                        <a:off x="7988865" y="3429000"/>
+                        <a:ext cx="2610224" cy="2584508"/>
+                      </a:xfrm>
+                      <a:prstGeom prst="rect">
+                        <a:avLst/>
+                      </a:prstGeom>
+                    </p:spPr>
+                  </p:pic>
+                </p:oleObj>
+              </mc:Fallback>
+            </mc:AlternateContent>
+          </a:graphicData>
+        </a:graphic>
+      </p:graphicFrame>
     </p:spTree>
     <p:extLst>
       <p:ext uri="{BB962C8B-B14F-4D97-AF65-F5344CB8AC3E}">
-        <p14:creationId xmlns:p14="http://schemas.microsoft.com/office/powerpoint/2010/main" val="911505111"/>
+        <p14:creationId xmlns:p14="http://schemas.microsoft.com/office/powerpoint/2010/main" val="2147705097"/>
       </p:ext>
     </p:extLst>
   </p:cSld>
@@ -4346,7 +4921,7 @@
           <p:cNvPr id="2" name="Title 1">
             <a:extLst>
               <a:ext uri="{FF2B5EF4-FFF2-40B4-BE49-F238E27FC236}">
-                <a16:creationId xmlns:a16="http://schemas.microsoft.com/office/drawing/2014/main" id="{D41E3021-31EC-4042-A6F4-A5233184AC97}"/>
+                <a16:creationId xmlns:a16="http://schemas.microsoft.com/office/drawing/2014/main" id="{96EA2EAE-4EF6-4B06-AAAD-C397F770234D}"/>
               </a:ext>
             </a:extLst>
           </p:cNvPr>
@@ -4364,7 +4939,7 @@
           <a:p>
             <a:r>
               <a:rPr lang="en-US" dirty="0"/>
-              <a:t>The Application / Event Detail</a:t>
+              <a:t>The Application / Tooling</a:t>
             </a:r>
           </a:p>
         </p:txBody>
@@ -4374,7 +4949,7 @@
           <p:cNvPr id="3" name="Content Placeholder 2">
             <a:extLst>
               <a:ext uri="{FF2B5EF4-FFF2-40B4-BE49-F238E27FC236}">
-                <a16:creationId xmlns:a16="http://schemas.microsoft.com/office/drawing/2014/main" id="{392F0F47-CAC2-419B-B8B9-838C7A8E7076}"/>
+                <a16:creationId xmlns:a16="http://schemas.microsoft.com/office/drawing/2014/main" id="{4A621525-1CC2-4232-99F7-70E8F0866016}"/>
               </a:ext>
             </a:extLst>
           </p:cNvPr>
@@ -4390,14 +4965,80 @@
           <a:bodyPr/>
           <a:lstStyle/>
           <a:p>
-            <a:endParaRPr lang="en-US" dirty="0"/>
+            <a:r>
+              <a:rPr lang="en-US" dirty="0"/>
+              <a:t>Tooling</a:t>
+            </a:r>
+          </a:p>
+          <a:p>
+            <a:pPr lvl="1"/>
+            <a:r>
+              <a:rPr lang="en-US" b="1" dirty="0"/>
+              <a:t>.NET 5.0 &amp; ASP.NET Core 5.0 </a:t>
+            </a:r>
+            <a:r>
+              <a:rPr lang="en-US" dirty="0"/>
+              <a:t>as the base framework</a:t>
+            </a:r>
+          </a:p>
+          <a:p>
+            <a:pPr lvl="1"/>
+            <a:r>
+              <a:rPr lang="en-US" b="1" dirty="0"/>
+              <a:t>ABP Framework </a:t>
+            </a:r>
+            <a:r>
+              <a:rPr lang="en-US" dirty="0"/>
+              <a:t>as the application framework</a:t>
+            </a:r>
+          </a:p>
+          <a:p>
+            <a:pPr lvl="1"/>
+            <a:r>
+              <a:rPr lang="en-US" b="1" dirty="0" err="1"/>
+              <a:t>Blazor</a:t>
+            </a:r>
+            <a:r>
+              <a:rPr lang="en-US" b="1" dirty="0"/>
+              <a:t> </a:t>
+            </a:r>
+            <a:r>
+              <a:rPr lang="en-US" dirty="0"/>
+              <a:t>as the UI framework</a:t>
+            </a:r>
+          </a:p>
+          <a:p>
+            <a:pPr lvl="1"/>
+            <a:r>
+              <a:rPr lang="en-US" b="1" dirty="0" err="1"/>
+              <a:t>Blazorise</a:t>
+            </a:r>
+            <a:r>
+              <a:rPr lang="en-US" b="1" dirty="0"/>
+              <a:t> </a:t>
+            </a:r>
+            <a:r>
+              <a:rPr lang="en-US" dirty="0"/>
+              <a:t>as a component library (Bootstrap compatible)</a:t>
+            </a:r>
+          </a:p>
+          <a:p>
+            <a:pPr lvl="1"/>
+            <a:r>
+              <a:rPr lang="en-US" b="1" dirty="0"/>
+              <a:t>MongoDB </a:t>
+            </a:r>
+            <a:r>
+              <a:rPr lang="en-US" dirty="0"/>
+              <a:t>as the database provider</a:t>
+            </a:r>
           </a:p>
         </p:txBody>
       </p:sp>
     </p:spTree>
     <p:extLst>
       <p:ext uri="{BB962C8B-B14F-4D97-AF65-F5344CB8AC3E}">
-        <p14:creationId xmlns:p14="http://schemas.microsoft.com/office/powerpoint/2010/main" val="3320126479"/>
+        <p14:creationId xmlns:p14="http://schemas.microsoft.com/office/powerpoint/2010/main" val="4036787460"/>
       </p:ext>
     </p:extLst>
   </p:cSld>
@@ -4447,40 +5088,133 @@
           <a:p>
             <a:r>
               <a:rPr lang="en-US" dirty="0"/>
-              <a:t>The Application / Create Event</a:t>
-            </a:r>
-          </a:p>
-        </p:txBody>
-      </p:sp>
-      <p:sp>
-        <p:nvSpPr>
-          <p:cNvPr id="3" name="Content Placeholder 2">
-            <a:extLst>
-              <a:ext uri="{FF2B5EF4-FFF2-40B4-BE49-F238E27FC236}">
-                <a16:creationId xmlns:a16="http://schemas.microsoft.com/office/drawing/2014/main" id="{392F0F47-CAC2-419B-B8B9-838C7A8E7076}"/>
-              </a:ext>
-            </a:extLst>
-          </p:cNvPr>
-          <p:cNvSpPr>
-            <a:spLocks noGrp="1"/>
-          </p:cNvSpPr>
-          <p:nvPr>
-            <p:ph idx="1"/>
-          </p:nvPr>
-        </p:nvSpPr>
-        <p:spPr/>
-        <p:txBody>
-          <a:bodyPr/>
-          <a:lstStyle/>
-          <a:p>
-            <a:endParaRPr lang="en-US" dirty="0"/>
-          </a:p>
-        </p:txBody>
-      </p:sp>
+              <a:t>The Application / Event List (Home Page)</a:t>
+            </a:r>
+          </a:p>
+        </p:txBody>
+      </p:sp>
+      <p:pic>
+        <p:nvPicPr>
+          <p:cNvPr id="5" name="Picture 4">
+            <a:extLst>
+              <a:ext uri="{FF2B5EF4-FFF2-40B4-BE49-F238E27FC236}">
+                <a16:creationId xmlns:a16="http://schemas.microsoft.com/office/drawing/2014/main" id="{80BED7F4-1042-4B12-B5A4-FB352B58709E}"/>
+              </a:ext>
+            </a:extLst>
+          </p:cNvPr>
+          <p:cNvPicPr>
+            <a:picLocks noChangeAspect="1"/>
+          </p:cNvPicPr>
+          <p:nvPr/>
+        </p:nvPicPr>
+        <p:blipFill>
+          <a:blip r:embed="rId2"/>
+          <a:stretch>
+            <a:fillRect/>
+          </a:stretch>
+        </p:blipFill>
+        <p:spPr>
+          <a:xfrm>
+            <a:off x="1440852" y="1606768"/>
+            <a:ext cx="8068907" cy="4702592"/>
+          </a:xfrm>
+          <a:prstGeom prst="rect">
+            <a:avLst/>
+          </a:prstGeom>
+        </p:spPr>
+      </p:pic>
     </p:spTree>
     <p:extLst>
       <p:ext uri="{BB962C8B-B14F-4D97-AF65-F5344CB8AC3E}">
-        <p14:creationId xmlns:p14="http://schemas.microsoft.com/office/powerpoint/2010/main" val="4084902898"/>
+        <p14:creationId xmlns:p14="http://schemas.microsoft.com/office/powerpoint/2010/main" val="911505111"/>
+      </p:ext>
+    </p:extLst>
+  </p:cSld>
+  <p:clrMapOvr>
+    <a:masterClrMapping/>
+  </p:clrMapOvr>
+</p:sld>
+</file>
+
+<file path=ppt/slides/slide9.xml><?xml version="1.0" encoding="utf-8"?>
+<p:sld xmlns:a="http://schemas.openxmlformats.org/drawingml/2006/main" xmlns:r="http://schemas.openxmlformats.org/officeDocument/2006/relationships" xmlns:p="http://schemas.openxmlformats.org/presentationml/2006/main">
+  <p:cSld>
+    <p:spTree>
+      <p:nvGrpSpPr>
+        <p:cNvPr id="1" name=""/>
+        <p:cNvGrpSpPr/>
+        <p:nvPr/>
+      </p:nvGrpSpPr>
+      <p:grpSpPr>
+        <a:xfrm>
+          <a:off x="0" y="0"/>
+          <a:ext cx="0" cy="0"/>
+          <a:chOff x="0" y="0"/>
+          <a:chExt cx="0" cy="0"/>
+        </a:xfrm>
+      </p:grpSpPr>
+      <p:sp>
+        <p:nvSpPr>
+          <p:cNvPr id="2" name="Title 1">
+            <a:extLst>
+              <a:ext uri="{FF2B5EF4-FFF2-40B4-BE49-F238E27FC236}">
+                <a16:creationId xmlns:a16="http://schemas.microsoft.com/office/drawing/2014/main" id="{D41E3021-31EC-4042-A6F4-A5233184AC97}"/>
+              </a:ext>
+            </a:extLst>
+          </p:cNvPr>
+          <p:cNvSpPr>
+            <a:spLocks noGrp="1"/>
+          </p:cNvSpPr>
+          <p:nvPr>
+            <p:ph type="title"/>
+          </p:nvPr>
+        </p:nvSpPr>
+        <p:spPr/>
+        <p:txBody>
+          <a:bodyPr/>
+          <a:lstStyle/>
+          <a:p>
+            <a:r>
+              <a:rPr lang="en-US" dirty="0"/>
+              <a:t>The Application / Event Detail</a:t>
+            </a:r>
+          </a:p>
+        </p:txBody>
+      </p:sp>
+      <p:pic>
+        <p:nvPicPr>
+          <p:cNvPr id="5" name="Picture 4">
+            <a:extLst>
+              <a:ext uri="{FF2B5EF4-FFF2-40B4-BE49-F238E27FC236}">
+                <a16:creationId xmlns:a16="http://schemas.microsoft.com/office/drawing/2014/main" id="{33E6BDD1-0384-4281-BF72-B9C629B15AAE}"/>
+              </a:ext>
+            </a:extLst>
+          </p:cNvPr>
+          <p:cNvPicPr>
+            <a:picLocks noChangeAspect="1"/>
+          </p:cNvPicPr>
+          <p:nvPr/>
+        </p:nvPicPr>
+        <p:blipFill>
+          <a:blip r:embed="rId2"/>
+          <a:stretch>
+            <a:fillRect/>
+          </a:stretch>
+        </p:blipFill>
+        <p:spPr>
+          <a:xfrm>
+            <a:off x="1145696" y="1519917"/>
+            <a:ext cx="5954819" cy="5099544"/>
+          </a:xfrm>
+          <a:prstGeom prst="rect">
+            <a:avLst/>
+          </a:prstGeom>
+        </p:spPr>
+      </p:pic>
+    </p:spTree>
+    <p:extLst>
+      <p:ext uri="{BB962C8B-B14F-4D97-AF65-F5344CB8AC3E}">
+        <p14:creationId xmlns:p14="http://schemas.microsoft.com/office/powerpoint/2010/main" val="3320126479"/>
       </p:ext>
     </p:extLst>
   </p:cSld>

--- a/2020-11-22 DevNot Summit Blazor and ABP/Blazor-Abp-Workshop.pptx
+++ b/2020-11-22 DevNot Summit Blazor and ABP/Blazor-Abp-Workshop.pptx
@@ -16,7 +16,8 @@
     <p:sldId id="314" r:id="rId10"/>
     <p:sldId id="315" r:id="rId11"/>
     <p:sldId id="319" r:id="rId12"/>
-    <p:sldId id="320" r:id="rId13"/>
+    <p:sldId id="321" r:id="rId13"/>
+    <p:sldId id="320" r:id="rId14"/>
   </p:sldIdLst>
   <p:sldSz cx="12192000" cy="6858000"/>
   <p:notesSz cx="6858000" cy="9144000"/>
@@ -3411,7 +3412,7 @@
           <a:p>
             <a:r>
               <a:rPr lang="en-US" i="1" dirty="0">
-                <a:hlinkClick r:id="rId3"/>
+                <a:hlinkClick r:id="rId2"/>
               </a:rPr>
               <a:t>https://github.com/hikalkan/presentations</a:t>
             </a:r>
@@ -3434,7 +3435,7 @@
           <p:nvPr/>
         </p:nvPicPr>
         <p:blipFill>
-          <a:blip r:embed="rId4">
+          <a:blip r:embed="rId3">
             <a:extLst>
               <a:ext uri="{28A0092B-C50C-407E-A947-70E740481C1C}">
                 <a14:useLocalDpi xmlns:a14="http://schemas.microsoft.com/office/drawing/2010/main" val="0"/>
@@ -3455,69 +3456,42 @@
           </a:prstGeom>
         </p:spPr>
       </p:pic>
-      <p:graphicFrame>
-        <p:nvGraphicFramePr>
-          <p:cNvPr id="6" name="Object 5">
-            <a:extLst>
-              <a:ext uri="{FF2B5EF4-FFF2-40B4-BE49-F238E27FC236}">
-                <a16:creationId xmlns:a16="http://schemas.microsoft.com/office/drawing/2014/main" id="{871AE6E9-2360-42A0-A914-B452B25C5D8D}"/>
-              </a:ext>
-            </a:extLst>
-          </p:cNvPr>
-          <p:cNvGraphicFramePr>
-            <a:graphicFrameLocks noChangeAspect="1"/>
-          </p:cNvGraphicFramePr>
-          <p:nvPr>
-            <p:extLst>
-              <p:ext uri="{D42A27DB-BD31-4B8C-83A1-F6EECF244321}">
-                <p14:modId xmlns:p14="http://schemas.microsoft.com/office/powerpoint/2010/main" val="4218083529"/>
-              </p:ext>
-            </p:extLst>
-          </p:nvPr>
-        </p:nvGraphicFramePr>
-        <p:xfrm>
-          <a:off x="9261073" y="1990368"/>
-          <a:ext cx="1933575" cy="1914525"/>
-        </p:xfrm>
-        <a:graphic>
-          <a:graphicData uri="http://schemas.openxmlformats.org/presentationml/2006/ole">
-            <mc:AlternateContent xmlns:mc="http://schemas.openxmlformats.org/markup-compatibility/2006">
-              <mc:Choice xmlns:v="urn:schemas-microsoft-com:vml" Requires="v">
-                <p:oleObj spid="_x0000_s1052" name="PDF" r:id="rId5" imgW="0" imgH="360" progId="FoxitReader.Document">
-                  <p:embed/>
-                </p:oleObj>
-              </mc:Choice>
-              <mc:Fallback>
-                <p:oleObj name="PDF" r:id="rId5" imgW="0" imgH="360" progId="FoxitReader.Document">
-                  <p:embed/>
-                  <p:pic>
-                    <p:nvPicPr>
-                      <p:cNvPr id="0" name=""/>
-                      <p:cNvPicPr/>
-                      <p:nvPr/>
-                    </p:nvPicPr>
-                    <p:blipFill>
-                      <a:blip r:embed="rId6"/>
-                      <a:stretch>
-                        <a:fillRect/>
-                      </a:stretch>
-                    </p:blipFill>
-                    <p:spPr>
-                      <a:xfrm>
-                        <a:off x="9261073" y="1990368"/>
-                        <a:ext cx="1933575" cy="1914525"/>
-                      </a:xfrm>
-                      <a:prstGeom prst="rect">
-                        <a:avLst/>
-                      </a:prstGeom>
-                    </p:spPr>
-                  </p:pic>
-                </p:oleObj>
-              </mc:Fallback>
-            </mc:AlternateContent>
-          </a:graphicData>
-        </a:graphic>
-      </p:graphicFrame>
+      <p:pic>
+        <p:nvPicPr>
+          <p:cNvPr id="7" name="Picture 6">
+            <a:extLst>
+              <a:ext uri="{FF2B5EF4-FFF2-40B4-BE49-F238E27FC236}">
+                <a16:creationId xmlns:a16="http://schemas.microsoft.com/office/drawing/2014/main" id="{18C83A58-1BCF-4E05-8FB4-58845DD4E73E}"/>
+              </a:ext>
+            </a:extLst>
+          </p:cNvPr>
+          <p:cNvPicPr>
+            <a:picLocks noChangeAspect="1"/>
+          </p:cNvPicPr>
+          <p:nvPr/>
+        </p:nvPicPr>
+        <p:blipFill>
+          <a:blip r:embed="rId4">
+            <a:extLst>
+              <a:ext uri="{28A0092B-C50C-407E-A947-70E740481C1C}">
+                <a14:useLocalDpi xmlns:a14="http://schemas.microsoft.com/office/drawing/2010/main" val="0"/>
+              </a:ext>
+            </a:extLst>
+          </a:blip>
+          <a:stretch>
+            <a:fillRect/>
+          </a:stretch>
+        </p:blipFill>
+        <p:spPr>
+          <a:xfrm>
+            <a:off x="9272912" y="1884316"/>
+            <a:ext cx="2129259" cy="2126630"/>
+          </a:xfrm>
+          <a:prstGeom prst="rect">
+            <a:avLst/>
+          </a:prstGeom>
+        </p:spPr>
+      </p:pic>
     </p:spTree>
     <p:extLst>
       <p:ext uri="{BB962C8B-B14F-4D97-AF65-F5344CB8AC3E}">
@@ -3737,6 +3711,140 @@
           <p:cNvPr id="2" name="Title 1">
             <a:extLst>
               <a:ext uri="{FF2B5EF4-FFF2-40B4-BE49-F238E27FC236}">
+                <a16:creationId xmlns:a16="http://schemas.microsoft.com/office/drawing/2014/main" id="{A9DB3C96-D299-41FD-95AE-AC8A8614C42B}"/>
+              </a:ext>
+            </a:extLst>
+          </p:cNvPr>
+          <p:cNvSpPr>
+            <a:spLocks noGrp="1"/>
+          </p:cNvSpPr>
+          <p:nvPr>
+            <p:ph type="title"/>
+          </p:nvPr>
+        </p:nvSpPr>
+        <p:spPr/>
+        <p:txBody>
+          <a:bodyPr/>
+          <a:lstStyle/>
+          <a:p>
+            <a:pPr algn="r"/>
+            <a:r>
+              <a:rPr lang="en-US" dirty="0"/>
+              <a:t>volosoft.com</a:t>
+            </a:r>
+            <a:r>
+              <a:rPr lang="en-US" dirty="0">
+                <a:solidFill>
+                  <a:schemeClr val="bg1">
+                    <a:lumMod val="50000"/>
+                  </a:schemeClr>
+                </a:solidFill>
+              </a:rPr>
+              <a:t>/career</a:t>
+            </a:r>
+          </a:p>
+        </p:txBody>
+      </p:sp>
+      <p:pic>
+        <p:nvPicPr>
+          <p:cNvPr id="8" name="Content Placeholder 7">
+            <a:extLst>
+              <a:ext uri="{FF2B5EF4-FFF2-40B4-BE49-F238E27FC236}">
+                <a16:creationId xmlns:a16="http://schemas.microsoft.com/office/drawing/2014/main" id="{5D3018C3-F8D9-45AF-B984-E818386C123D}"/>
+              </a:ext>
+            </a:extLst>
+          </p:cNvPr>
+          <p:cNvPicPr>
+            <a:picLocks noGrp="1" noChangeAspect="1"/>
+          </p:cNvPicPr>
+          <p:nvPr>
+            <p:ph idx="1"/>
+          </p:nvPr>
+        </p:nvPicPr>
+        <p:blipFill>
+          <a:blip r:embed="rId2">
+            <a:extLst>
+              <a:ext uri="{28A0092B-C50C-407E-A947-70E740481C1C}">
+                <a14:useLocalDpi xmlns:a14="http://schemas.microsoft.com/office/drawing/2010/main" val="0"/>
+              </a:ext>
+            </a:extLst>
+          </a:blip>
+          <a:stretch>
+            <a:fillRect/>
+          </a:stretch>
+        </p:blipFill>
+        <p:spPr>
+          <a:xfrm>
+            <a:off x="838200" y="365125"/>
+            <a:ext cx="4486643" cy="1097544"/>
+          </a:xfrm>
+        </p:spPr>
+      </p:pic>
+      <p:pic>
+        <p:nvPicPr>
+          <p:cNvPr id="5" name="Picture 4">
+            <a:extLst>
+              <a:ext uri="{FF2B5EF4-FFF2-40B4-BE49-F238E27FC236}">
+                <a16:creationId xmlns:a16="http://schemas.microsoft.com/office/drawing/2014/main" id="{FD74CACC-1C93-461B-8FFD-B64E63E50978}"/>
+              </a:ext>
+            </a:extLst>
+          </p:cNvPr>
+          <p:cNvPicPr>
+            <a:picLocks noChangeAspect="1"/>
+          </p:cNvPicPr>
+          <p:nvPr/>
+        </p:nvPicPr>
+        <p:blipFill>
+          <a:blip r:embed="rId3"/>
+          <a:stretch>
+            <a:fillRect/>
+          </a:stretch>
+        </p:blipFill>
+        <p:spPr>
+          <a:xfrm>
+            <a:off x="1192696" y="1862062"/>
+            <a:ext cx="9219537" cy="4566349"/>
+          </a:xfrm>
+          <a:prstGeom prst="rect">
+            <a:avLst/>
+          </a:prstGeom>
+        </p:spPr>
+      </p:pic>
+    </p:spTree>
+    <p:extLst>
+      <p:ext uri="{BB962C8B-B14F-4D97-AF65-F5344CB8AC3E}">
+        <p14:creationId xmlns:p14="http://schemas.microsoft.com/office/powerpoint/2010/main" val="4187879797"/>
+      </p:ext>
+    </p:extLst>
+  </p:cSld>
+  <p:clrMapOvr>
+    <a:masterClrMapping/>
+  </p:clrMapOvr>
+</p:sld>
+</file>
+
+<file path=ppt/slides/slide13.xml><?xml version="1.0" encoding="utf-8"?>
+<p:sld xmlns:a="http://schemas.openxmlformats.org/drawingml/2006/main" xmlns:r="http://schemas.openxmlformats.org/officeDocument/2006/relationships" xmlns:p="http://schemas.openxmlformats.org/presentationml/2006/main">
+  <p:cSld>
+    <p:spTree>
+      <p:nvGrpSpPr>
+        <p:cNvPr id="1" name=""/>
+        <p:cNvGrpSpPr/>
+        <p:nvPr/>
+      </p:nvGrpSpPr>
+      <p:grpSpPr>
+        <a:xfrm>
+          <a:off x="0" y="0"/>
+          <a:ext cx="0" cy="0"/>
+          <a:chOff x="0" y="0"/>
+          <a:chExt cx="0" cy="0"/>
+        </a:xfrm>
+      </p:grpSpPr>
+      <p:sp>
+        <p:nvSpPr>
+          <p:cNvPr id="2" name="Title 1">
+            <a:extLst>
+              <a:ext uri="{FF2B5EF4-FFF2-40B4-BE49-F238E27FC236}">
                 <a16:creationId xmlns:a16="http://schemas.microsoft.com/office/drawing/2014/main" id="{57071780-EF2D-4262-B357-50409AB633FF}"/>
               </a:ext>
             </a:extLst>
@@ -4512,6 +4620,592 @@
   <p:clrMapOvr>
     <a:masterClrMapping/>
   </p:clrMapOvr>
+  <p:timing>
+    <p:tnLst>
+      <p:par>
+        <p:cTn id="1" dur="indefinite" restart="never" nodeType="tmRoot">
+          <p:childTnLst>
+            <p:seq concurrent="1" nextAc="seek">
+              <p:cTn id="2" dur="indefinite" nodeType="mainSeq">
+                <p:childTnLst>
+                  <p:par>
+                    <p:cTn id="3" fill="hold">
+                      <p:stCondLst>
+                        <p:cond delay="indefinite"/>
+                      </p:stCondLst>
+                      <p:childTnLst>
+                        <p:par>
+                          <p:cTn id="4" fill="hold">
+                            <p:stCondLst>
+                              <p:cond delay="0"/>
+                            </p:stCondLst>
+                            <p:childTnLst>
+                              <p:par>
+                                <p:cTn id="5" presetID="10" presetClass="entr" presetSubtype="0" fill="hold" nodeType="clickEffect">
+                                  <p:stCondLst>
+                                    <p:cond delay="0"/>
+                                  </p:stCondLst>
+                                  <p:childTnLst>
+                                    <p:set>
+                                      <p:cBhvr>
+                                        <p:cTn id="6" dur="1" fill="hold">
+                                          <p:stCondLst>
+                                            <p:cond delay="0"/>
+                                          </p:stCondLst>
+                                        </p:cTn>
+                                        <p:tgtEl>
+                                          <p:spTgt spid="3">
+                                            <p:txEl>
+                                              <p:pRg st="0" end="0"/>
+                                            </p:txEl>
+                                          </p:spTgt>
+                                        </p:tgtEl>
+                                        <p:attrNameLst>
+                                          <p:attrName>style.visibility</p:attrName>
+                                        </p:attrNameLst>
+                                      </p:cBhvr>
+                                      <p:to>
+                                        <p:strVal val="visible"/>
+                                      </p:to>
+                                    </p:set>
+                                    <p:animEffect transition="in" filter="fade">
+                                      <p:cBhvr>
+                                        <p:cTn id="7" dur="500"/>
+                                        <p:tgtEl>
+                                          <p:spTgt spid="3">
+                                            <p:txEl>
+                                              <p:pRg st="0" end="0"/>
+                                            </p:txEl>
+                                          </p:spTgt>
+                                        </p:tgtEl>
+                                      </p:cBhvr>
+                                    </p:animEffect>
+                                  </p:childTnLst>
+                                </p:cTn>
+                              </p:par>
+                              <p:par>
+                                <p:cTn id="8" presetID="10" presetClass="entr" presetSubtype="0" fill="hold" nodeType="withEffect">
+                                  <p:stCondLst>
+                                    <p:cond delay="0"/>
+                                  </p:stCondLst>
+                                  <p:childTnLst>
+                                    <p:set>
+                                      <p:cBhvr>
+                                        <p:cTn id="9" dur="1" fill="hold">
+                                          <p:stCondLst>
+                                            <p:cond delay="0"/>
+                                          </p:stCondLst>
+                                        </p:cTn>
+                                        <p:tgtEl>
+                                          <p:spTgt spid="3">
+                                            <p:txEl>
+                                              <p:pRg st="1" end="1"/>
+                                            </p:txEl>
+                                          </p:spTgt>
+                                        </p:tgtEl>
+                                        <p:attrNameLst>
+                                          <p:attrName>style.visibility</p:attrName>
+                                        </p:attrNameLst>
+                                      </p:cBhvr>
+                                      <p:to>
+                                        <p:strVal val="visible"/>
+                                      </p:to>
+                                    </p:set>
+                                    <p:animEffect transition="in" filter="fade">
+                                      <p:cBhvr>
+                                        <p:cTn id="10" dur="500"/>
+                                        <p:tgtEl>
+                                          <p:spTgt spid="3">
+                                            <p:txEl>
+                                              <p:pRg st="1" end="1"/>
+                                            </p:txEl>
+                                          </p:spTgt>
+                                        </p:tgtEl>
+                                      </p:cBhvr>
+                                    </p:animEffect>
+                                  </p:childTnLst>
+                                </p:cTn>
+                              </p:par>
+                            </p:childTnLst>
+                          </p:cTn>
+                        </p:par>
+                      </p:childTnLst>
+                    </p:cTn>
+                  </p:par>
+                  <p:par>
+                    <p:cTn id="11" fill="hold">
+                      <p:stCondLst>
+                        <p:cond delay="indefinite"/>
+                      </p:stCondLst>
+                      <p:childTnLst>
+                        <p:par>
+                          <p:cTn id="12" fill="hold">
+                            <p:stCondLst>
+                              <p:cond delay="0"/>
+                            </p:stCondLst>
+                            <p:childTnLst>
+                              <p:par>
+                                <p:cTn id="13" presetID="10" presetClass="entr" presetSubtype="0" fill="hold" nodeType="clickEffect">
+                                  <p:stCondLst>
+                                    <p:cond delay="0"/>
+                                  </p:stCondLst>
+                                  <p:childTnLst>
+                                    <p:set>
+                                      <p:cBhvr>
+                                        <p:cTn id="14" dur="1" fill="hold">
+                                          <p:stCondLst>
+                                            <p:cond delay="0"/>
+                                          </p:stCondLst>
+                                        </p:cTn>
+                                        <p:tgtEl>
+                                          <p:spTgt spid="3">
+                                            <p:txEl>
+                                              <p:pRg st="2" end="2"/>
+                                            </p:txEl>
+                                          </p:spTgt>
+                                        </p:tgtEl>
+                                        <p:attrNameLst>
+                                          <p:attrName>style.visibility</p:attrName>
+                                        </p:attrNameLst>
+                                      </p:cBhvr>
+                                      <p:to>
+                                        <p:strVal val="visible"/>
+                                      </p:to>
+                                    </p:set>
+                                    <p:animEffect transition="in" filter="fade">
+                                      <p:cBhvr>
+                                        <p:cTn id="15" dur="500"/>
+                                        <p:tgtEl>
+                                          <p:spTgt spid="3">
+                                            <p:txEl>
+                                              <p:pRg st="2" end="2"/>
+                                            </p:txEl>
+                                          </p:spTgt>
+                                        </p:tgtEl>
+                                      </p:cBhvr>
+                                    </p:animEffect>
+                                  </p:childTnLst>
+                                </p:cTn>
+                              </p:par>
+                              <p:par>
+                                <p:cTn id="16" presetID="10" presetClass="entr" presetSubtype="0" fill="hold" nodeType="withEffect">
+                                  <p:stCondLst>
+                                    <p:cond delay="0"/>
+                                  </p:stCondLst>
+                                  <p:childTnLst>
+                                    <p:set>
+                                      <p:cBhvr>
+                                        <p:cTn id="17" dur="1" fill="hold">
+                                          <p:stCondLst>
+                                            <p:cond delay="0"/>
+                                          </p:stCondLst>
+                                        </p:cTn>
+                                        <p:tgtEl>
+                                          <p:spTgt spid="3">
+                                            <p:txEl>
+                                              <p:pRg st="3" end="3"/>
+                                            </p:txEl>
+                                          </p:spTgt>
+                                        </p:tgtEl>
+                                        <p:attrNameLst>
+                                          <p:attrName>style.visibility</p:attrName>
+                                        </p:attrNameLst>
+                                      </p:cBhvr>
+                                      <p:to>
+                                        <p:strVal val="visible"/>
+                                      </p:to>
+                                    </p:set>
+                                    <p:animEffect transition="in" filter="fade">
+                                      <p:cBhvr>
+                                        <p:cTn id="18" dur="500"/>
+                                        <p:tgtEl>
+                                          <p:spTgt spid="3">
+                                            <p:txEl>
+                                              <p:pRg st="3" end="3"/>
+                                            </p:txEl>
+                                          </p:spTgt>
+                                        </p:tgtEl>
+                                      </p:cBhvr>
+                                    </p:animEffect>
+                                  </p:childTnLst>
+                                </p:cTn>
+                              </p:par>
+                            </p:childTnLst>
+                          </p:cTn>
+                        </p:par>
+                      </p:childTnLst>
+                    </p:cTn>
+                  </p:par>
+                  <p:par>
+                    <p:cTn id="19" fill="hold">
+                      <p:stCondLst>
+                        <p:cond delay="indefinite"/>
+                      </p:stCondLst>
+                      <p:childTnLst>
+                        <p:par>
+                          <p:cTn id="20" fill="hold">
+                            <p:stCondLst>
+                              <p:cond delay="0"/>
+                            </p:stCondLst>
+                            <p:childTnLst>
+                              <p:par>
+                                <p:cTn id="21" presetID="10" presetClass="entr" presetSubtype="0" fill="hold" nodeType="clickEffect">
+                                  <p:stCondLst>
+                                    <p:cond delay="0"/>
+                                  </p:stCondLst>
+                                  <p:childTnLst>
+                                    <p:set>
+                                      <p:cBhvr>
+                                        <p:cTn id="22" dur="1" fill="hold">
+                                          <p:stCondLst>
+                                            <p:cond delay="0"/>
+                                          </p:stCondLst>
+                                        </p:cTn>
+                                        <p:tgtEl>
+                                          <p:spTgt spid="3">
+                                            <p:txEl>
+                                              <p:pRg st="4" end="4"/>
+                                            </p:txEl>
+                                          </p:spTgt>
+                                        </p:tgtEl>
+                                        <p:attrNameLst>
+                                          <p:attrName>style.visibility</p:attrName>
+                                        </p:attrNameLst>
+                                      </p:cBhvr>
+                                      <p:to>
+                                        <p:strVal val="visible"/>
+                                      </p:to>
+                                    </p:set>
+                                    <p:animEffect transition="in" filter="fade">
+                                      <p:cBhvr>
+                                        <p:cTn id="23" dur="500"/>
+                                        <p:tgtEl>
+                                          <p:spTgt spid="3">
+                                            <p:txEl>
+                                              <p:pRg st="4" end="4"/>
+                                            </p:txEl>
+                                          </p:spTgt>
+                                        </p:tgtEl>
+                                      </p:cBhvr>
+                                    </p:animEffect>
+                                  </p:childTnLst>
+                                </p:cTn>
+                              </p:par>
+                            </p:childTnLst>
+                          </p:cTn>
+                        </p:par>
+                      </p:childTnLst>
+                    </p:cTn>
+                  </p:par>
+                  <p:par>
+                    <p:cTn id="24" fill="hold">
+                      <p:stCondLst>
+                        <p:cond delay="indefinite"/>
+                      </p:stCondLst>
+                      <p:childTnLst>
+                        <p:par>
+                          <p:cTn id="25" fill="hold">
+                            <p:stCondLst>
+                              <p:cond delay="0"/>
+                            </p:stCondLst>
+                            <p:childTnLst>
+                              <p:par>
+                                <p:cTn id="26" presetID="10" presetClass="entr" presetSubtype="0" fill="hold" nodeType="clickEffect">
+                                  <p:stCondLst>
+                                    <p:cond delay="0"/>
+                                  </p:stCondLst>
+                                  <p:childTnLst>
+                                    <p:set>
+                                      <p:cBhvr>
+                                        <p:cTn id="27" dur="1" fill="hold">
+                                          <p:stCondLst>
+                                            <p:cond delay="0"/>
+                                          </p:stCondLst>
+                                        </p:cTn>
+                                        <p:tgtEl>
+                                          <p:spTgt spid="3">
+                                            <p:txEl>
+                                              <p:pRg st="5" end="5"/>
+                                            </p:txEl>
+                                          </p:spTgt>
+                                        </p:tgtEl>
+                                        <p:attrNameLst>
+                                          <p:attrName>style.visibility</p:attrName>
+                                        </p:attrNameLst>
+                                      </p:cBhvr>
+                                      <p:to>
+                                        <p:strVal val="visible"/>
+                                      </p:to>
+                                    </p:set>
+                                    <p:animEffect transition="in" filter="fade">
+                                      <p:cBhvr>
+                                        <p:cTn id="28" dur="500"/>
+                                        <p:tgtEl>
+                                          <p:spTgt spid="3">
+                                            <p:txEl>
+                                              <p:pRg st="5" end="5"/>
+                                            </p:txEl>
+                                          </p:spTgt>
+                                        </p:tgtEl>
+                                      </p:cBhvr>
+                                    </p:animEffect>
+                                  </p:childTnLst>
+                                </p:cTn>
+                              </p:par>
+                            </p:childTnLst>
+                          </p:cTn>
+                        </p:par>
+                      </p:childTnLst>
+                    </p:cTn>
+                  </p:par>
+                  <p:par>
+                    <p:cTn id="29" fill="hold">
+                      <p:stCondLst>
+                        <p:cond delay="indefinite"/>
+                      </p:stCondLst>
+                      <p:childTnLst>
+                        <p:par>
+                          <p:cTn id="30" fill="hold">
+                            <p:stCondLst>
+                              <p:cond delay="0"/>
+                            </p:stCondLst>
+                            <p:childTnLst>
+                              <p:par>
+                                <p:cTn id="31" presetID="10" presetClass="entr" presetSubtype="0" fill="hold" nodeType="clickEffect">
+                                  <p:stCondLst>
+                                    <p:cond delay="0"/>
+                                  </p:stCondLst>
+                                  <p:childTnLst>
+                                    <p:set>
+                                      <p:cBhvr>
+                                        <p:cTn id="32" dur="1" fill="hold">
+                                          <p:stCondLst>
+                                            <p:cond delay="0"/>
+                                          </p:stCondLst>
+                                        </p:cTn>
+                                        <p:tgtEl>
+                                          <p:spTgt spid="3">
+                                            <p:txEl>
+                                              <p:pRg st="6" end="6"/>
+                                            </p:txEl>
+                                          </p:spTgt>
+                                        </p:tgtEl>
+                                        <p:attrNameLst>
+                                          <p:attrName>style.visibility</p:attrName>
+                                        </p:attrNameLst>
+                                      </p:cBhvr>
+                                      <p:to>
+                                        <p:strVal val="visible"/>
+                                      </p:to>
+                                    </p:set>
+                                    <p:animEffect transition="in" filter="fade">
+                                      <p:cBhvr>
+                                        <p:cTn id="33" dur="500"/>
+                                        <p:tgtEl>
+                                          <p:spTgt spid="3">
+                                            <p:txEl>
+                                              <p:pRg st="6" end="6"/>
+                                            </p:txEl>
+                                          </p:spTgt>
+                                        </p:tgtEl>
+                                      </p:cBhvr>
+                                    </p:animEffect>
+                                  </p:childTnLst>
+                                </p:cTn>
+                              </p:par>
+                              <p:par>
+                                <p:cTn id="34" presetID="10" presetClass="entr" presetSubtype="0" fill="hold" nodeType="withEffect">
+                                  <p:stCondLst>
+                                    <p:cond delay="0"/>
+                                  </p:stCondLst>
+                                  <p:childTnLst>
+                                    <p:set>
+                                      <p:cBhvr>
+                                        <p:cTn id="35" dur="1" fill="hold">
+                                          <p:stCondLst>
+                                            <p:cond delay="0"/>
+                                          </p:stCondLst>
+                                        </p:cTn>
+                                        <p:tgtEl>
+                                          <p:spTgt spid="3">
+                                            <p:txEl>
+                                              <p:pRg st="7" end="7"/>
+                                            </p:txEl>
+                                          </p:spTgt>
+                                        </p:tgtEl>
+                                        <p:attrNameLst>
+                                          <p:attrName>style.visibility</p:attrName>
+                                        </p:attrNameLst>
+                                      </p:cBhvr>
+                                      <p:to>
+                                        <p:strVal val="visible"/>
+                                      </p:to>
+                                    </p:set>
+                                    <p:animEffect transition="in" filter="fade">
+                                      <p:cBhvr>
+                                        <p:cTn id="36" dur="500"/>
+                                        <p:tgtEl>
+                                          <p:spTgt spid="3">
+                                            <p:txEl>
+                                              <p:pRg st="7" end="7"/>
+                                            </p:txEl>
+                                          </p:spTgt>
+                                        </p:tgtEl>
+                                      </p:cBhvr>
+                                    </p:animEffect>
+                                  </p:childTnLst>
+                                </p:cTn>
+                              </p:par>
+                            </p:childTnLst>
+                          </p:cTn>
+                        </p:par>
+                      </p:childTnLst>
+                    </p:cTn>
+                  </p:par>
+                  <p:par>
+                    <p:cTn id="37" fill="hold">
+                      <p:stCondLst>
+                        <p:cond delay="indefinite"/>
+                      </p:stCondLst>
+                      <p:childTnLst>
+                        <p:par>
+                          <p:cTn id="38" fill="hold">
+                            <p:stCondLst>
+                              <p:cond delay="0"/>
+                            </p:stCondLst>
+                            <p:childTnLst>
+                              <p:par>
+                                <p:cTn id="39" presetID="10" presetClass="entr" presetSubtype="0" fill="hold" nodeType="clickEffect">
+                                  <p:stCondLst>
+                                    <p:cond delay="0"/>
+                                  </p:stCondLst>
+                                  <p:childTnLst>
+                                    <p:set>
+                                      <p:cBhvr>
+                                        <p:cTn id="40" dur="1" fill="hold">
+                                          <p:stCondLst>
+                                            <p:cond delay="0"/>
+                                          </p:stCondLst>
+                                        </p:cTn>
+                                        <p:tgtEl>
+                                          <p:spTgt spid="3">
+                                            <p:txEl>
+                                              <p:pRg st="8" end="8"/>
+                                            </p:txEl>
+                                          </p:spTgt>
+                                        </p:tgtEl>
+                                        <p:attrNameLst>
+                                          <p:attrName>style.visibility</p:attrName>
+                                        </p:attrNameLst>
+                                      </p:cBhvr>
+                                      <p:to>
+                                        <p:strVal val="visible"/>
+                                      </p:to>
+                                    </p:set>
+                                    <p:animEffect transition="in" filter="fade">
+                                      <p:cBhvr>
+                                        <p:cTn id="41" dur="500"/>
+                                        <p:tgtEl>
+                                          <p:spTgt spid="3">
+                                            <p:txEl>
+                                              <p:pRg st="8" end="8"/>
+                                            </p:txEl>
+                                          </p:spTgt>
+                                        </p:tgtEl>
+                                      </p:cBhvr>
+                                    </p:animEffect>
+                                  </p:childTnLst>
+                                </p:cTn>
+                              </p:par>
+                            </p:childTnLst>
+                          </p:cTn>
+                        </p:par>
+                      </p:childTnLst>
+                    </p:cTn>
+                  </p:par>
+                  <p:par>
+                    <p:cTn id="42" fill="hold">
+                      <p:stCondLst>
+                        <p:cond delay="indefinite"/>
+                      </p:stCondLst>
+                      <p:childTnLst>
+                        <p:par>
+                          <p:cTn id="43" fill="hold">
+                            <p:stCondLst>
+                              <p:cond delay="0"/>
+                            </p:stCondLst>
+                            <p:childTnLst>
+                              <p:par>
+                                <p:cTn id="44" presetID="10" presetClass="entr" presetSubtype="0" fill="hold" nodeType="clickEffect">
+                                  <p:stCondLst>
+                                    <p:cond delay="0"/>
+                                  </p:stCondLst>
+                                  <p:childTnLst>
+                                    <p:set>
+                                      <p:cBhvr>
+                                        <p:cTn id="45" dur="1" fill="hold">
+                                          <p:stCondLst>
+                                            <p:cond delay="0"/>
+                                          </p:stCondLst>
+                                        </p:cTn>
+                                        <p:tgtEl>
+                                          <p:spTgt spid="3">
+                                            <p:txEl>
+                                              <p:pRg st="9" end="9"/>
+                                            </p:txEl>
+                                          </p:spTgt>
+                                        </p:tgtEl>
+                                        <p:attrNameLst>
+                                          <p:attrName>style.visibility</p:attrName>
+                                        </p:attrNameLst>
+                                      </p:cBhvr>
+                                      <p:to>
+                                        <p:strVal val="visible"/>
+                                      </p:to>
+                                    </p:set>
+                                    <p:animEffect transition="in" filter="fade">
+                                      <p:cBhvr>
+                                        <p:cTn id="46" dur="500"/>
+                                        <p:tgtEl>
+                                          <p:spTgt spid="3">
+                                            <p:txEl>
+                                              <p:pRg st="9" end="9"/>
+                                            </p:txEl>
+                                          </p:spTgt>
+                                        </p:tgtEl>
+                                      </p:cBhvr>
+                                    </p:animEffect>
+                                  </p:childTnLst>
+                                </p:cTn>
+                              </p:par>
+                            </p:childTnLst>
+                          </p:cTn>
+                        </p:par>
+                      </p:childTnLst>
+                    </p:cTn>
+                  </p:par>
+                </p:childTnLst>
+              </p:cTn>
+              <p:prevCondLst>
+                <p:cond evt="onPrev" delay="0">
+                  <p:tgtEl>
+                    <p:sldTgt/>
+                  </p:tgtEl>
+                </p:cond>
+              </p:prevCondLst>
+              <p:nextCondLst>
+                <p:cond evt="onNext" delay="0">
+                  <p:tgtEl>
+                    <p:sldTgt/>
+                  </p:tgtEl>
+                </p:cond>
+              </p:nextCondLst>
+            </p:seq>
+          </p:childTnLst>
+        </p:cTn>
+      </p:par>
+    </p:tnLst>
+  </p:timing>
 </p:sld>
 </file>
 
@@ -4701,6 +5395,44 @@
           <a:chExt cx="0" cy="0"/>
         </a:xfrm>
       </p:grpSpPr>
+      <p:pic>
+        <p:nvPicPr>
+          <p:cNvPr id="10" name="Picture 9">
+            <a:extLst>
+              <a:ext uri="{FF2B5EF4-FFF2-40B4-BE49-F238E27FC236}">
+                <a16:creationId xmlns:a16="http://schemas.microsoft.com/office/drawing/2014/main" id="{F6AC334F-710C-467D-97CF-3F528D2F5AD2}"/>
+              </a:ext>
+            </a:extLst>
+          </p:cNvPr>
+          <p:cNvPicPr>
+            <a:picLocks noChangeAspect="1"/>
+          </p:cNvPicPr>
+          <p:nvPr/>
+        </p:nvPicPr>
+        <p:blipFill>
+          <a:blip r:embed="rId2">
+            <a:duotone>
+              <a:schemeClr val="bg2">
+                <a:shade val="45000"/>
+                <a:satMod val="135000"/>
+              </a:schemeClr>
+              <a:prstClr val="white"/>
+            </a:duotone>
+          </a:blip>
+          <a:stretch>
+            <a:fillRect/>
+          </a:stretch>
+        </p:blipFill>
+        <p:spPr>
+          <a:xfrm>
+            <a:off x="0" y="3548743"/>
+            <a:ext cx="12192000" cy="3309257"/>
+          </a:xfrm>
+          <a:prstGeom prst="rect">
+            <a:avLst/>
+          </a:prstGeom>
+        </p:spPr>
+      </p:pic>
       <p:sp>
         <p:nvSpPr>
           <p:cNvPr id="2" name="Title 1">
@@ -4715,6 +5447,66 @@
           </p:cNvSpPr>
           <p:nvPr>
             <p:ph type="title"/>
+          </p:nvPr>
+        </p:nvSpPr>
+        <p:spPr/>
+        <p:txBody>
+          <a:bodyPr>
+            <a:normAutofit/>
+          </a:bodyPr>
+          <a:lstStyle/>
+          <a:p>
+            <a:r>
+              <a:rPr lang="en-US" dirty="0"/>
+              <a:t>What is the ABP Framework?</a:t>
+            </a:r>
+            <a:br>
+              <a:rPr lang="en-US" dirty="0"/>
+            </a:br>
+            <a:r>
+              <a:rPr lang="en-US" sz="3600" dirty="0">
+                <a:solidFill>
+                  <a:schemeClr val="bg1">
+                    <a:lumMod val="50000"/>
+                  </a:schemeClr>
+                </a:solidFill>
+              </a:rPr>
+              <a:t>abp.io | github.com/</a:t>
+            </a:r>
+            <a:r>
+              <a:rPr lang="en-US" sz="3600" dirty="0" err="1">
+                <a:solidFill>
+                  <a:schemeClr val="bg1">
+                    <a:lumMod val="50000"/>
+                  </a:schemeClr>
+                </a:solidFill>
+              </a:rPr>
+              <a:t>abpframework</a:t>
+            </a:r>
+            <a:endParaRPr lang="en-US" sz="3600" dirty="0">
+              <a:solidFill>
+                <a:schemeClr val="bg1">
+                  <a:lumMod val="50000"/>
+                </a:schemeClr>
+              </a:solidFill>
+            </a:endParaRPr>
+          </a:p>
+        </p:txBody>
+      </p:sp>
+      <p:sp>
+        <p:nvSpPr>
+          <p:cNvPr id="3" name="Content Placeholder 2">
+            <a:extLst>
+              <a:ext uri="{FF2B5EF4-FFF2-40B4-BE49-F238E27FC236}">
+                <a16:creationId xmlns:a16="http://schemas.microsoft.com/office/drawing/2014/main" id="{3635B2A4-4429-4F58-8E61-9C6A42B158A0}"/>
+              </a:ext>
+            </a:extLst>
+          </p:cNvPr>
+          <p:cNvSpPr>
+            <a:spLocks noGrp="1"/>
+          </p:cNvSpPr>
+          <p:nvPr>
+            <p:ph idx="1"/>
           </p:nvPr>
         </p:nvSpPr>
         <p:spPr/>
@@ -4724,34 +5516,6 @@
           <a:p>
             <a:r>
               <a:rPr lang="en-US" dirty="0"/>
-              <a:t>What is the ABP Framework?</a:t>
-            </a:r>
-          </a:p>
-        </p:txBody>
-      </p:sp>
-      <p:sp>
-        <p:nvSpPr>
-          <p:cNvPr id="3" name="Content Placeholder 2">
-            <a:extLst>
-              <a:ext uri="{FF2B5EF4-FFF2-40B4-BE49-F238E27FC236}">
-                <a16:creationId xmlns:a16="http://schemas.microsoft.com/office/drawing/2014/main" id="{3635B2A4-4429-4F58-8E61-9C6A42B158A0}"/>
-              </a:ext>
-            </a:extLst>
-          </p:cNvPr>
-          <p:cNvSpPr>
-            <a:spLocks noGrp="1"/>
-          </p:cNvSpPr>
-          <p:nvPr>
-            <p:ph idx="1"/>
-          </p:nvPr>
-        </p:nvSpPr>
-        <p:spPr/>
-        <p:txBody>
-          <a:bodyPr/>
-          <a:lstStyle/>
-          <a:p>
-            <a:r>
-              <a:rPr lang="en-US" dirty="0"/>
               <a:t>A </a:t>
             </a:r>
             <a:r>
@@ -4817,75 +5581,72 @@
           </a:p>
         </p:txBody>
       </p:sp>
-      <p:graphicFrame>
-        <p:nvGraphicFramePr>
-          <p:cNvPr id="4" name="Object 3">
-            <a:extLst>
-              <a:ext uri="{FF2B5EF4-FFF2-40B4-BE49-F238E27FC236}">
-                <a16:creationId xmlns:a16="http://schemas.microsoft.com/office/drawing/2014/main" id="{E64C8647-5A7B-4776-8AB1-519490EC3698}"/>
-              </a:ext>
-            </a:extLst>
-          </p:cNvPr>
-          <p:cNvGraphicFramePr>
-            <a:graphicFrameLocks noChangeAspect="1"/>
-          </p:cNvGraphicFramePr>
-          <p:nvPr>
-            <p:extLst>
-              <p:ext uri="{D42A27DB-BD31-4B8C-83A1-F6EECF244321}">
-                <p14:modId xmlns:p14="http://schemas.microsoft.com/office/powerpoint/2010/main" val="2316807993"/>
-              </p:ext>
-            </p:extLst>
-          </p:nvPr>
-        </p:nvGraphicFramePr>
-        <p:xfrm>
-          <a:off x="7988865" y="3429000"/>
-          <a:ext cx="2610224" cy="2584508"/>
-        </p:xfrm>
-        <a:graphic>
-          <a:graphicData uri="http://schemas.openxmlformats.org/presentationml/2006/ole">
-            <mc:AlternateContent xmlns:mc="http://schemas.openxmlformats.org/markup-compatibility/2006">
-              <mc:Choice xmlns:v="urn:schemas-microsoft-com:vml" Requires="v">
-                <p:oleObj spid="_x0000_s3081" name="PDF" r:id="rId3" imgW="0" imgH="360" progId="FoxitReader.Document">
-                  <p:embed/>
-                </p:oleObj>
-              </mc:Choice>
-              <mc:Fallback>
-                <p:oleObj name="PDF" r:id="rId3" imgW="0" imgH="360" progId="FoxitReader.Document">
-                  <p:embed/>
-                  <p:pic>
-                    <p:nvPicPr>
-                      <p:cNvPr id="6" name="Object 5">
-                        <a:extLst>
-                          <a:ext uri="{FF2B5EF4-FFF2-40B4-BE49-F238E27FC236}">
-                            <a16:creationId xmlns:a16="http://schemas.microsoft.com/office/drawing/2014/main" id="{871AE6E9-2360-42A0-A914-B452B25C5D8D}"/>
-                          </a:ext>
-                        </a:extLst>
-                      </p:cNvPr>
-                      <p:cNvPicPr/>
-                      <p:nvPr/>
-                    </p:nvPicPr>
-                    <p:blipFill>
-                      <a:blip r:embed="rId4"/>
-                      <a:stretch>
-                        <a:fillRect/>
-                      </a:stretch>
-                    </p:blipFill>
-                    <p:spPr>
-                      <a:xfrm>
-                        <a:off x="7988865" y="3429000"/>
-                        <a:ext cx="2610224" cy="2584508"/>
-                      </a:xfrm>
-                      <a:prstGeom prst="rect">
-                        <a:avLst/>
-                      </a:prstGeom>
-                    </p:spPr>
-                  </p:pic>
-                </p:oleObj>
-              </mc:Fallback>
-            </mc:AlternateContent>
-          </a:graphicData>
-        </a:graphic>
-      </p:graphicFrame>
+      <p:pic>
+        <p:nvPicPr>
+          <p:cNvPr id="6" name="Picture 5">
+            <a:extLst>
+              <a:ext uri="{FF2B5EF4-FFF2-40B4-BE49-F238E27FC236}">
+                <a16:creationId xmlns:a16="http://schemas.microsoft.com/office/drawing/2014/main" id="{F2D4DF84-A4B5-43C7-B0C5-045FC491C15E}"/>
+              </a:ext>
+            </a:extLst>
+          </p:cNvPr>
+          <p:cNvPicPr>
+            <a:picLocks noChangeAspect="1"/>
+          </p:cNvPicPr>
+          <p:nvPr/>
+        </p:nvPicPr>
+        <p:blipFill>
+          <a:blip r:embed="rId3"/>
+          <a:stretch>
+            <a:fillRect/>
+          </a:stretch>
+        </p:blipFill>
+        <p:spPr>
+          <a:xfrm>
+            <a:off x="838200" y="4437334"/>
+            <a:ext cx="4205329" cy="534252"/>
+          </a:xfrm>
+          <a:prstGeom prst="rect">
+            <a:avLst/>
+          </a:prstGeom>
+        </p:spPr>
+      </p:pic>
+      <p:pic>
+        <p:nvPicPr>
+          <p:cNvPr id="12" name="Picture 11">
+            <a:extLst>
+              <a:ext uri="{FF2B5EF4-FFF2-40B4-BE49-F238E27FC236}">
+                <a16:creationId xmlns:a16="http://schemas.microsoft.com/office/drawing/2014/main" id="{083B0C97-0F62-4249-89B0-1D2D19EC5049}"/>
+              </a:ext>
+            </a:extLst>
+          </p:cNvPr>
+          <p:cNvPicPr>
+            <a:picLocks noChangeAspect="1"/>
+          </p:cNvPicPr>
+          <p:nvPr/>
+        </p:nvPicPr>
+        <p:blipFill>
+          <a:blip r:embed="rId4">
+            <a:extLst>
+              <a:ext uri="{28A0092B-C50C-407E-A947-70E740481C1C}">
+                <a14:useLocalDpi xmlns:a14="http://schemas.microsoft.com/office/drawing/2010/main" val="0"/>
+              </a:ext>
+            </a:extLst>
+          </a:blip>
+          <a:stretch>
+            <a:fillRect/>
+          </a:stretch>
+        </p:blipFill>
+        <p:spPr>
+          <a:xfrm>
+            <a:off x="9348449" y="284236"/>
+            <a:ext cx="1489178" cy="1487340"/>
+          </a:xfrm>
+          <a:prstGeom prst="rect">
+            <a:avLst/>
+          </a:prstGeom>
+        </p:spPr>
+      </p:pic>
     </p:spTree>
     <p:extLst>
       <p:ext uri="{BB962C8B-B14F-4D97-AF65-F5344CB8AC3E}">
@@ -4896,6 +5657,429 @@
   <p:clrMapOvr>
     <a:masterClrMapping/>
   </p:clrMapOvr>
+  <p:timing>
+    <p:tnLst>
+      <p:par>
+        <p:cTn id="1" dur="indefinite" restart="never" nodeType="tmRoot">
+          <p:childTnLst>
+            <p:seq concurrent="1" nextAc="seek">
+              <p:cTn id="2" dur="indefinite" nodeType="mainSeq">
+                <p:childTnLst>
+                  <p:par>
+                    <p:cTn id="3" fill="hold">
+                      <p:stCondLst>
+                        <p:cond delay="indefinite"/>
+                      </p:stCondLst>
+                      <p:childTnLst>
+                        <p:par>
+                          <p:cTn id="4" fill="hold">
+                            <p:stCondLst>
+                              <p:cond delay="0"/>
+                            </p:stCondLst>
+                            <p:childTnLst>
+                              <p:par>
+                                <p:cTn id="5" presetID="10" presetClass="entr" presetSubtype="0" fill="hold" nodeType="clickEffect">
+                                  <p:stCondLst>
+                                    <p:cond delay="0"/>
+                                  </p:stCondLst>
+                                  <p:childTnLst>
+                                    <p:set>
+                                      <p:cBhvr>
+                                        <p:cTn id="6" dur="1" fill="hold">
+                                          <p:stCondLst>
+                                            <p:cond delay="0"/>
+                                          </p:stCondLst>
+                                        </p:cTn>
+                                        <p:tgtEl>
+                                          <p:spTgt spid="3">
+                                            <p:txEl>
+                                              <p:pRg st="0" end="0"/>
+                                            </p:txEl>
+                                          </p:spTgt>
+                                        </p:tgtEl>
+                                        <p:attrNameLst>
+                                          <p:attrName>style.visibility</p:attrName>
+                                        </p:attrNameLst>
+                                      </p:cBhvr>
+                                      <p:to>
+                                        <p:strVal val="visible"/>
+                                      </p:to>
+                                    </p:set>
+                                    <p:animEffect transition="in" filter="fade">
+                                      <p:cBhvr>
+                                        <p:cTn id="7" dur="500"/>
+                                        <p:tgtEl>
+                                          <p:spTgt spid="3">
+                                            <p:txEl>
+                                              <p:pRg st="0" end="0"/>
+                                            </p:txEl>
+                                          </p:spTgt>
+                                        </p:tgtEl>
+                                      </p:cBhvr>
+                                    </p:animEffect>
+                                  </p:childTnLst>
+                                </p:cTn>
+                              </p:par>
+                            </p:childTnLst>
+                          </p:cTn>
+                        </p:par>
+                      </p:childTnLst>
+                    </p:cTn>
+                  </p:par>
+                  <p:par>
+                    <p:cTn id="8" fill="hold">
+                      <p:stCondLst>
+                        <p:cond delay="indefinite"/>
+                      </p:stCondLst>
+                      <p:childTnLst>
+                        <p:par>
+                          <p:cTn id="9" fill="hold">
+                            <p:stCondLst>
+                              <p:cond delay="0"/>
+                            </p:stCondLst>
+                            <p:childTnLst>
+                              <p:par>
+                                <p:cTn id="10" presetID="10" presetClass="entr" presetSubtype="0" fill="hold" nodeType="clickEffect">
+                                  <p:stCondLst>
+                                    <p:cond delay="0"/>
+                                  </p:stCondLst>
+                                  <p:childTnLst>
+                                    <p:set>
+                                      <p:cBhvr>
+                                        <p:cTn id="11" dur="1" fill="hold">
+                                          <p:stCondLst>
+                                            <p:cond delay="0"/>
+                                          </p:stCondLst>
+                                        </p:cTn>
+                                        <p:tgtEl>
+                                          <p:spTgt spid="3">
+                                            <p:txEl>
+                                              <p:pRg st="1" end="1"/>
+                                            </p:txEl>
+                                          </p:spTgt>
+                                        </p:tgtEl>
+                                        <p:attrNameLst>
+                                          <p:attrName>style.visibility</p:attrName>
+                                        </p:attrNameLst>
+                                      </p:cBhvr>
+                                      <p:to>
+                                        <p:strVal val="visible"/>
+                                      </p:to>
+                                    </p:set>
+                                    <p:animEffect transition="in" filter="fade">
+                                      <p:cBhvr>
+                                        <p:cTn id="12" dur="500"/>
+                                        <p:tgtEl>
+                                          <p:spTgt spid="3">
+                                            <p:txEl>
+                                              <p:pRg st="1" end="1"/>
+                                            </p:txEl>
+                                          </p:spTgt>
+                                        </p:tgtEl>
+                                      </p:cBhvr>
+                                    </p:animEffect>
+                                  </p:childTnLst>
+                                </p:cTn>
+                              </p:par>
+                            </p:childTnLst>
+                          </p:cTn>
+                        </p:par>
+                      </p:childTnLst>
+                    </p:cTn>
+                  </p:par>
+                  <p:par>
+                    <p:cTn id="13" fill="hold">
+                      <p:stCondLst>
+                        <p:cond delay="indefinite"/>
+                      </p:stCondLst>
+                      <p:childTnLst>
+                        <p:par>
+                          <p:cTn id="14" fill="hold">
+                            <p:stCondLst>
+                              <p:cond delay="0"/>
+                            </p:stCondLst>
+                            <p:childTnLst>
+                              <p:par>
+                                <p:cTn id="15" presetID="10" presetClass="entr" presetSubtype="0" fill="hold" nodeType="clickEffect">
+                                  <p:stCondLst>
+                                    <p:cond delay="0"/>
+                                  </p:stCondLst>
+                                  <p:childTnLst>
+                                    <p:set>
+                                      <p:cBhvr>
+                                        <p:cTn id="16" dur="1" fill="hold">
+                                          <p:stCondLst>
+                                            <p:cond delay="0"/>
+                                          </p:stCondLst>
+                                        </p:cTn>
+                                        <p:tgtEl>
+                                          <p:spTgt spid="3">
+                                            <p:txEl>
+                                              <p:pRg st="2" end="2"/>
+                                            </p:txEl>
+                                          </p:spTgt>
+                                        </p:tgtEl>
+                                        <p:attrNameLst>
+                                          <p:attrName>style.visibility</p:attrName>
+                                        </p:attrNameLst>
+                                      </p:cBhvr>
+                                      <p:to>
+                                        <p:strVal val="visible"/>
+                                      </p:to>
+                                    </p:set>
+                                    <p:animEffect transition="in" filter="fade">
+                                      <p:cBhvr>
+                                        <p:cTn id="17" dur="500"/>
+                                        <p:tgtEl>
+                                          <p:spTgt spid="3">
+                                            <p:txEl>
+                                              <p:pRg st="2" end="2"/>
+                                            </p:txEl>
+                                          </p:spTgt>
+                                        </p:tgtEl>
+                                      </p:cBhvr>
+                                    </p:animEffect>
+                                  </p:childTnLst>
+                                </p:cTn>
+                              </p:par>
+                            </p:childTnLst>
+                          </p:cTn>
+                        </p:par>
+                      </p:childTnLst>
+                    </p:cTn>
+                  </p:par>
+                  <p:par>
+                    <p:cTn id="18" fill="hold">
+                      <p:stCondLst>
+                        <p:cond delay="indefinite"/>
+                      </p:stCondLst>
+                      <p:childTnLst>
+                        <p:par>
+                          <p:cTn id="19" fill="hold">
+                            <p:stCondLst>
+                              <p:cond delay="0"/>
+                            </p:stCondLst>
+                            <p:childTnLst>
+                              <p:par>
+                                <p:cTn id="20" presetID="10" presetClass="entr" presetSubtype="0" fill="hold" nodeType="clickEffect">
+                                  <p:stCondLst>
+                                    <p:cond delay="0"/>
+                                  </p:stCondLst>
+                                  <p:childTnLst>
+                                    <p:set>
+                                      <p:cBhvr>
+                                        <p:cTn id="21" dur="1" fill="hold">
+                                          <p:stCondLst>
+                                            <p:cond delay="0"/>
+                                          </p:stCondLst>
+                                        </p:cTn>
+                                        <p:tgtEl>
+                                          <p:spTgt spid="3">
+                                            <p:txEl>
+                                              <p:pRg st="3" end="3"/>
+                                            </p:txEl>
+                                          </p:spTgt>
+                                        </p:tgtEl>
+                                        <p:attrNameLst>
+                                          <p:attrName>style.visibility</p:attrName>
+                                        </p:attrNameLst>
+                                      </p:cBhvr>
+                                      <p:to>
+                                        <p:strVal val="visible"/>
+                                      </p:to>
+                                    </p:set>
+                                    <p:animEffect transition="in" filter="fade">
+                                      <p:cBhvr>
+                                        <p:cTn id="22" dur="500"/>
+                                        <p:tgtEl>
+                                          <p:spTgt spid="3">
+                                            <p:txEl>
+                                              <p:pRg st="3" end="3"/>
+                                            </p:txEl>
+                                          </p:spTgt>
+                                        </p:tgtEl>
+                                      </p:cBhvr>
+                                    </p:animEffect>
+                                  </p:childTnLst>
+                                </p:cTn>
+                              </p:par>
+                            </p:childTnLst>
+                          </p:cTn>
+                        </p:par>
+                      </p:childTnLst>
+                    </p:cTn>
+                  </p:par>
+                  <p:par>
+                    <p:cTn id="23" fill="hold">
+                      <p:stCondLst>
+                        <p:cond delay="indefinite"/>
+                      </p:stCondLst>
+                      <p:childTnLst>
+                        <p:par>
+                          <p:cTn id="24" fill="hold">
+                            <p:stCondLst>
+                              <p:cond delay="0"/>
+                            </p:stCondLst>
+                            <p:childTnLst>
+                              <p:par>
+                                <p:cTn id="25" presetID="10" presetClass="entr" presetSubtype="0" fill="hold" nodeType="clickEffect">
+                                  <p:stCondLst>
+                                    <p:cond delay="0"/>
+                                  </p:stCondLst>
+                                  <p:childTnLst>
+                                    <p:set>
+                                      <p:cBhvr>
+                                        <p:cTn id="26" dur="1" fill="hold">
+                                          <p:stCondLst>
+                                            <p:cond delay="0"/>
+                                          </p:stCondLst>
+                                        </p:cTn>
+                                        <p:tgtEl>
+                                          <p:spTgt spid="3">
+                                            <p:txEl>
+                                              <p:pRg st="4" end="4"/>
+                                            </p:txEl>
+                                          </p:spTgt>
+                                        </p:tgtEl>
+                                        <p:attrNameLst>
+                                          <p:attrName>style.visibility</p:attrName>
+                                        </p:attrNameLst>
+                                      </p:cBhvr>
+                                      <p:to>
+                                        <p:strVal val="visible"/>
+                                      </p:to>
+                                    </p:set>
+                                    <p:animEffect transition="in" filter="fade">
+                                      <p:cBhvr>
+                                        <p:cTn id="27" dur="500"/>
+                                        <p:tgtEl>
+                                          <p:spTgt spid="3">
+                                            <p:txEl>
+                                              <p:pRg st="4" end="4"/>
+                                            </p:txEl>
+                                          </p:spTgt>
+                                        </p:tgtEl>
+                                      </p:cBhvr>
+                                    </p:animEffect>
+                                  </p:childTnLst>
+                                </p:cTn>
+                              </p:par>
+                            </p:childTnLst>
+                          </p:cTn>
+                        </p:par>
+                      </p:childTnLst>
+                    </p:cTn>
+                  </p:par>
+                  <p:par>
+                    <p:cTn id="28" fill="hold">
+                      <p:stCondLst>
+                        <p:cond delay="indefinite"/>
+                      </p:stCondLst>
+                      <p:childTnLst>
+                        <p:par>
+                          <p:cTn id="29" fill="hold">
+                            <p:stCondLst>
+                              <p:cond delay="0"/>
+                            </p:stCondLst>
+                            <p:childTnLst>
+                              <p:par>
+                                <p:cTn id="30" presetID="10" presetClass="entr" presetSubtype="0" fill="hold" nodeType="clickEffect">
+                                  <p:stCondLst>
+                                    <p:cond delay="0"/>
+                                  </p:stCondLst>
+                                  <p:childTnLst>
+                                    <p:set>
+                                      <p:cBhvr>
+                                        <p:cTn id="31" dur="1" fill="hold">
+                                          <p:stCondLst>
+                                            <p:cond delay="0"/>
+                                          </p:stCondLst>
+                                        </p:cTn>
+                                        <p:tgtEl>
+                                          <p:spTgt spid="6"/>
+                                        </p:tgtEl>
+                                        <p:attrNameLst>
+                                          <p:attrName>style.visibility</p:attrName>
+                                        </p:attrNameLst>
+                                      </p:cBhvr>
+                                      <p:to>
+                                        <p:strVal val="visible"/>
+                                      </p:to>
+                                    </p:set>
+                                    <p:animEffect transition="in" filter="fade">
+                                      <p:cBhvr>
+                                        <p:cTn id="32" dur="500"/>
+                                        <p:tgtEl>
+                                          <p:spTgt spid="6"/>
+                                        </p:tgtEl>
+                                      </p:cBhvr>
+                                    </p:animEffect>
+                                  </p:childTnLst>
+                                </p:cTn>
+                              </p:par>
+                              <p:par>
+                                <p:cTn id="33" presetID="10" presetClass="entr" presetSubtype="0" fill="hold" nodeType="withEffect">
+                                  <p:stCondLst>
+                                    <p:cond delay="0"/>
+                                  </p:stCondLst>
+                                  <p:childTnLst>
+                                    <p:set>
+                                      <p:cBhvr>
+                                        <p:cTn id="34" dur="1" fill="hold">
+                                          <p:stCondLst>
+                                            <p:cond delay="0"/>
+                                          </p:stCondLst>
+                                        </p:cTn>
+                                        <p:tgtEl>
+                                          <p:spTgt spid="10"/>
+                                        </p:tgtEl>
+                                        <p:attrNameLst>
+                                          <p:attrName>style.visibility</p:attrName>
+                                        </p:attrNameLst>
+                                      </p:cBhvr>
+                                      <p:to>
+                                        <p:strVal val="visible"/>
+                                      </p:to>
+                                    </p:set>
+                                    <p:animEffect transition="in" filter="fade">
+                                      <p:cBhvr>
+                                        <p:cTn id="35" dur="500"/>
+                                        <p:tgtEl>
+                                          <p:spTgt spid="10"/>
+                                        </p:tgtEl>
+                                      </p:cBhvr>
+                                    </p:animEffect>
+                                  </p:childTnLst>
+                                </p:cTn>
+                              </p:par>
+                            </p:childTnLst>
+                          </p:cTn>
+                        </p:par>
+                      </p:childTnLst>
+                    </p:cTn>
+                  </p:par>
+                </p:childTnLst>
+              </p:cTn>
+              <p:prevCondLst>
+                <p:cond evt="onPrev" delay="0">
+                  <p:tgtEl>
+                    <p:sldTgt/>
+                  </p:tgtEl>
+                </p:cond>
+              </p:prevCondLst>
+              <p:nextCondLst>
+                <p:cond evt="onNext" delay="0">
+                  <p:tgtEl>
+                    <p:sldTgt/>
+                  </p:tgtEl>
+                </p:cond>
+              </p:nextCondLst>
+            </p:seq>
+          </p:childTnLst>
+        </p:cTn>
+      </p:par>
+    </p:tnLst>
+  </p:timing>
 </p:sld>
 </file>
 
@@ -5045,6 +6229,384 @@
   <p:clrMapOvr>
     <a:masterClrMapping/>
   </p:clrMapOvr>
+  <p:timing>
+    <p:tnLst>
+      <p:par>
+        <p:cTn id="1" dur="indefinite" restart="never" nodeType="tmRoot">
+          <p:childTnLst>
+            <p:seq concurrent="1" nextAc="seek">
+              <p:cTn id="2" dur="indefinite" nodeType="mainSeq">
+                <p:childTnLst>
+                  <p:par>
+                    <p:cTn id="3" fill="hold">
+                      <p:stCondLst>
+                        <p:cond delay="indefinite"/>
+                      </p:stCondLst>
+                      <p:childTnLst>
+                        <p:par>
+                          <p:cTn id="4" fill="hold">
+                            <p:stCondLst>
+                              <p:cond delay="0"/>
+                            </p:stCondLst>
+                            <p:childTnLst>
+                              <p:par>
+                                <p:cTn id="5" presetID="10" presetClass="entr" presetSubtype="0" fill="hold" nodeType="clickEffect">
+                                  <p:stCondLst>
+                                    <p:cond delay="0"/>
+                                  </p:stCondLst>
+                                  <p:childTnLst>
+                                    <p:set>
+                                      <p:cBhvr>
+                                        <p:cTn id="6" dur="1" fill="hold">
+                                          <p:stCondLst>
+                                            <p:cond delay="0"/>
+                                          </p:stCondLst>
+                                        </p:cTn>
+                                        <p:tgtEl>
+                                          <p:spTgt spid="3">
+                                            <p:txEl>
+                                              <p:pRg st="0" end="0"/>
+                                            </p:txEl>
+                                          </p:spTgt>
+                                        </p:tgtEl>
+                                        <p:attrNameLst>
+                                          <p:attrName>style.visibility</p:attrName>
+                                        </p:attrNameLst>
+                                      </p:cBhvr>
+                                      <p:to>
+                                        <p:strVal val="visible"/>
+                                      </p:to>
+                                    </p:set>
+                                    <p:animEffect transition="in" filter="fade">
+                                      <p:cBhvr>
+                                        <p:cTn id="7" dur="500"/>
+                                        <p:tgtEl>
+                                          <p:spTgt spid="3">
+                                            <p:txEl>
+                                              <p:pRg st="0" end="0"/>
+                                            </p:txEl>
+                                          </p:spTgt>
+                                        </p:tgtEl>
+                                      </p:cBhvr>
+                                    </p:animEffect>
+                                  </p:childTnLst>
+                                </p:cTn>
+                              </p:par>
+                              <p:par>
+                                <p:cTn id="8" presetID="10" presetClass="entr" presetSubtype="0" fill="hold" nodeType="withEffect">
+                                  <p:stCondLst>
+                                    <p:cond delay="0"/>
+                                  </p:stCondLst>
+                                  <p:childTnLst>
+                                    <p:set>
+                                      <p:cBhvr>
+                                        <p:cTn id="9" dur="1" fill="hold">
+                                          <p:stCondLst>
+                                            <p:cond delay="0"/>
+                                          </p:stCondLst>
+                                        </p:cTn>
+                                        <p:tgtEl>
+                                          <p:spTgt spid="3">
+                                            <p:txEl>
+                                              <p:pRg st="1" end="1"/>
+                                            </p:txEl>
+                                          </p:spTgt>
+                                        </p:tgtEl>
+                                        <p:attrNameLst>
+                                          <p:attrName>style.visibility</p:attrName>
+                                        </p:attrNameLst>
+                                      </p:cBhvr>
+                                      <p:to>
+                                        <p:strVal val="visible"/>
+                                      </p:to>
+                                    </p:set>
+                                    <p:animEffect transition="in" filter="fade">
+                                      <p:cBhvr>
+                                        <p:cTn id="10" dur="500"/>
+                                        <p:tgtEl>
+                                          <p:spTgt spid="3">
+                                            <p:txEl>
+                                              <p:pRg st="1" end="1"/>
+                                            </p:txEl>
+                                          </p:spTgt>
+                                        </p:tgtEl>
+                                      </p:cBhvr>
+                                    </p:animEffect>
+                                  </p:childTnLst>
+                                </p:cTn>
+                              </p:par>
+                            </p:childTnLst>
+                          </p:cTn>
+                        </p:par>
+                      </p:childTnLst>
+                    </p:cTn>
+                  </p:par>
+                  <p:par>
+                    <p:cTn id="11" fill="hold">
+                      <p:stCondLst>
+                        <p:cond delay="indefinite"/>
+                      </p:stCondLst>
+                      <p:childTnLst>
+                        <p:par>
+                          <p:cTn id="12" fill="hold">
+                            <p:stCondLst>
+                              <p:cond delay="0"/>
+                            </p:stCondLst>
+                            <p:childTnLst>
+                              <p:par>
+                                <p:cTn id="13" presetID="10" presetClass="entr" presetSubtype="0" fill="hold" nodeType="clickEffect">
+                                  <p:stCondLst>
+                                    <p:cond delay="0"/>
+                                  </p:stCondLst>
+                                  <p:childTnLst>
+                                    <p:set>
+                                      <p:cBhvr>
+                                        <p:cTn id="14" dur="1" fill="hold">
+                                          <p:stCondLst>
+                                            <p:cond delay="0"/>
+                                          </p:stCondLst>
+                                        </p:cTn>
+                                        <p:tgtEl>
+                                          <p:spTgt spid="3">
+                                            <p:txEl>
+                                              <p:pRg st="2" end="2"/>
+                                            </p:txEl>
+                                          </p:spTgt>
+                                        </p:tgtEl>
+                                        <p:attrNameLst>
+                                          <p:attrName>style.visibility</p:attrName>
+                                        </p:attrNameLst>
+                                      </p:cBhvr>
+                                      <p:to>
+                                        <p:strVal val="visible"/>
+                                      </p:to>
+                                    </p:set>
+                                    <p:animEffect transition="in" filter="fade">
+                                      <p:cBhvr>
+                                        <p:cTn id="15" dur="500"/>
+                                        <p:tgtEl>
+                                          <p:spTgt spid="3">
+                                            <p:txEl>
+                                              <p:pRg st="2" end="2"/>
+                                            </p:txEl>
+                                          </p:spTgt>
+                                        </p:tgtEl>
+                                      </p:cBhvr>
+                                    </p:animEffect>
+                                  </p:childTnLst>
+                                </p:cTn>
+                              </p:par>
+                            </p:childTnLst>
+                          </p:cTn>
+                        </p:par>
+                      </p:childTnLst>
+                    </p:cTn>
+                  </p:par>
+                  <p:par>
+                    <p:cTn id="16" fill="hold">
+                      <p:stCondLst>
+                        <p:cond delay="indefinite"/>
+                      </p:stCondLst>
+                      <p:childTnLst>
+                        <p:par>
+                          <p:cTn id="17" fill="hold">
+                            <p:stCondLst>
+                              <p:cond delay="0"/>
+                            </p:stCondLst>
+                            <p:childTnLst>
+                              <p:par>
+                                <p:cTn id="18" presetID="10" presetClass="entr" presetSubtype="0" fill="hold" nodeType="clickEffect">
+                                  <p:stCondLst>
+                                    <p:cond delay="0"/>
+                                  </p:stCondLst>
+                                  <p:childTnLst>
+                                    <p:set>
+                                      <p:cBhvr>
+                                        <p:cTn id="19" dur="1" fill="hold">
+                                          <p:stCondLst>
+                                            <p:cond delay="0"/>
+                                          </p:stCondLst>
+                                        </p:cTn>
+                                        <p:tgtEl>
+                                          <p:spTgt spid="3">
+                                            <p:txEl>
+                                              <p:pRg st="3" end="3"/>
+                                            </p:txEl>
+                                          </p:spTgt>
+                                        </p:tgtEl>
+                                        <p:attrNameLst>
+                                          <p:attrName>style.visibility</p:attrName>
+                                        </p:attrNameLst>
+                                      </p:cBhvr>
+                                      <p:to>
+                                        <p:strVal val="visible"/>
+                                      </p:to>
+                                    </p:set>
+                                    <p:animEffect transition="in" filter="fade">
+                                      <p:cBhvr>
+                                        <p:cTn id="20" dur="500"/>
+                                        <p:tgtEl>
+                                          <p:spTgt spid="3">
+                                            <p:txEl>
+                                              <p:pRg st="3" end="3"/>
+                                            </p:txEl>
+                                          </p:spTgt>
+                                        </p:tgtEl>
+                                      </p:cBhvr>
+                                    </p:animEffect>
+                                  </p:childTnLst>
+                                </p:cTn>
+                              </p:par>
+                            </p:childTnLst>
+                          </p:cTn>
+                        </p:par>
+                      </p:childTnLst>
+                    </p:cTn>
+                  </p:par>
+                  <p:par>
+                    <p:cTn id="21" fill="hold">
+                      <p:stCondLst>
+                        <p:cond delay="indefinite"/>
+                      </p:stCondLst>
+                      <p:childTnLst>
+                        <p:par>
+                          <p:cTn id="22" fill="hold">
+                            <p:stCondLst>
+                              <p:cond delay="0"/>
+                            </p:stCondLst>
+                            <p:childTnLst>
+                              <p:par>
+                                <p:cTn id="23" presetID="10" presetClass="entr" presetSubtype="0" fill="hold" nodeType="clickEffect">
+                                  <p:stCondLst>
+                                    <p:cond delay="0"/>
+                                  </p:stCondLst>
+                                  <p:childTnLst>
+                                    <p:set>
+                                      <p:cBhvr>
+                                        <p:cTn id="24" dur="1" fill="hold">
+                                          <p:stCondLst>
+                                            <p:cond delay="0"/>
+                                          </p:stCondLst>
+                                        </p:cTn>
+                                        <p:tgtEl>
+                                          <p:spTgt spid="3">
+                                            <p:txEl>
+                                              <p:pRg st="4" end="4"/>
+                                            </p:txEl>
+                                          </p:spTgt>
+                                        </p:tgtEl>
+                                        <p:attrNameLst>
+                                          <p:attrName>style.visibility</p:attrName>
+                                        </p:attrNameLst>
+                                      </p:cBhvr>
+                                      <p:to>
+                                        <p:strVal val="visible"/>
+                                      </p:to>
+                                    </p:set>
+                                    <p:animEffect transition="in" filter="fade">
+                                      <p:cBhvr>
+                                        <p:cTn id="25" dur="500"/>
+                                        <p:tgtEl>
+                                          <p:spTgt spid="3">
+                                            <p:txEl>
+                                              <p:pRg st="4" end="4"/>
+                                            </p:txEl>
+                                          </p:spTgt>
+                                        </p:tgtEl>
+                                      </p:cBhvr>
+                                    </p:animEffect>
+                                  </p:childTnLst>
+                                </p:cTn>
+                              </p:par>
+                            </p:childTnLst>
+                          </p:cTn>
+                        </p:par>
+                      </p:childTnLst>
+                    </p:cTn>
+                  </p:par>
+                  <p:par>
+                    <p:cTn id="26" fill="hold">
+                      <p:stCondLst>
+                        <p:cond delay="indefinite"/>
+                      </p:stCondLst>
+                      <p:childTnLst>
+                        <p:par>
+                          <p:cTn id="27" fill="hold">
+                            <p:stCondLst>
+                              <p:cond delay="0"/>
+                            </p:stCondLst>
+                            <p:childTnLst>
+                              <p:par>
+                                <p:cTn id="28" presetID="10" presetClass="entr" presetSubtype="0" fill="hold" nodeType="clickEffect">
+                                  <p:stCondLst>
+                                    <p:cond delay="0"/>
+                                  </p:stCondLst>
+                                  <p:childTnLst>
+                                    <p:set>
+                                      <p:cBhvr>
+                                        <p:cTn id="29" dur="1" fill="hold">
+                                          <p:stCondLst>
+                                            <p:cond delay="0"/>
+                                          </p:stCondLst>
+                                        </p:cTn>
+                                        <p:tgtEl>
+                                          <p:spTgt spid="3">
+                                            <p:txEl>
+                                              <p:pRg st="5" end="5"/>
+                                            </p:txEl>
+                                          </p:spTgt>
+                                        </p:tgtEl>
+                                        <p:attrNameLst>
+                                          <p:attrName>style.visibility</p:attrName>
+                                        </p:attrNameLst>
+                                      </p:cBhvr>
+                                      <p:to>
+                                        <p:strVal val="visible"/>
+                                      </p:to>
+                                    </p:set>
+                                    <p:animEffect transition="in" filter="fade">
+                                      <p:cBhvr>
+                                        <p:cTn id="30" dur="500"/>
+                                        <p:tgtEl>
+                                          <p:spTgt spid="3">
+                                            <p:txEl>
+                                              <p:pRg st="5" end="5"/>
+                                            </p:txEl>
+                                          </p:spTgt>
+                                        </p:tgtEl>
+                                      </p:cBhvr>
+                                    </p:animEffect>
+                                  </p:childTnLst>
+                                </p:cTn>
+                              </p:par>
+                            </p:childTnLst>
+                          </p:cTn>
+                        </p:par>
+                      </p:childTnLst>
+                    </p:cTn>
+                  </p:par>
+                </p:childTnLst>
+              </p:cTn>
+              <p:prevCondLst>
+                <p:cond evt="onPrev" delay="0">
+                  <p:tgtEl>
+                    <p:sldTgt/>
+                  </p:tgtEl>
+                </p:cond>
+              </p:prevCondLst>
+              <p:nextCondLst>
+                <p:cond evt="onNext" delay="0">
+                  <p:tgtEl>
+                    <p:sldTgt/>
+                  </p:tgtEl>
+                </p:cond>
+              </p:nextCondLst>
+            </p:seq>
+          </p:childTnLst>
+        </p:cTn>
+      </p:par>
+    </p:tnLst>
+  </p:timing>
 </p:sld>
 </file>
 

--- a/2020-11-22 DevNot Summit Blazor and ABP/Blazor-Abp-Workshop.pptx
+++ b/2020-11-22 DevNot Summit Blazor and ABP/Blazor-Abp-Workshop.pptx
@@ -271,7 +271,7 @@
           <a:p>
             <a:fld id="{C1EBCF09-E776-406A-8448-41E38AB180D3}" type="datetimeFigureOut">
               <a:rPr lang="en-US" smtClean="0"/>
-              <a:t>21-Nov-20</a:t>
+              <a:t>22-Nov-20</a:t>
             </a:fld>
             <a:endParaRPr lang="en-US"/>
           </a:p>
@@ -469,7 +469,7 @@
           <a:p>
             <a:fld id="{C1EBCF09-E776-406A-8448-41E38AB180D3}" type="datetimeFigureOut">
               <a:rPr lang="en-US" smtClean="0"/>
-              <a:t>21-Nov-20</a:t>
+              <a:t>22-Nov-20</a:t>
             </a:fld>
             <a:endParaRPr lang="en-US"/>
           </a:p>
@@ -677,7 +677,7 @@
           <a:p>
             <a:fld id="{C1EBCF09-E776-406A-8448-41E38AB180D3}" type="datetimeFigureOut">
               <a:rPr lang="en-US" smtClean="0"/>
-              <a:t>21-Nov-20</a:t>
+              <a:t>22-Nov-20</a:t>
             </a:fld>
             <a:endParaRPr lang="en-US"/>
           </a:p>
@@ -875,7 +875,7 @@
           <a:p>
             <a:fld id="{C1EBCF09-E776-406A-8448-41E38AB180D3}" type="datetimeFigureOut">
               <a:rPr lang="en-US" smtClean="0"/>
-              <a:t>21-Nov-20</a:t>
+              <a:t>22-Nov-20</a:t>
             </a:fld>
             <a:endParaRPr lang="en-US"/>
           </a:p>
@@ -1150,7 +1150,7 @@
           <a:p>
             <a:fld id="{C1EBCF09-E776-406A-8448-41E38AB180D3}" type="datetimeFigureOut">
               <a:rPr lang="en-US" smtClean="0"/>
-              <a:t>21-Nov-20</a:t>
+              <a:t>22-Nov-20</a:t>
             </a:fld>
             <a:endParaRPr lang="en-US"/>
           </a:p>
@@ -1415,7 +1415,7 @@
           <a:p>
             <a:fld id="{C1EBCF09-E776-406A-8448-41E38AB180D3}" type="datetimeFigureOut">
               <a:rPr lang="en-US" smtClean="0"/>
-              <a:t>21-Nov-20</a:t>
+              <a:t>22-Nov-20</a:t>
             </a:fld>
             <a:endParaRPr lang="en-US"/>
           </a:p>
@@ -1827,7 +1827,7 @@
           <a:p>
             <a:fld id="{C1EBCF09-E776-406A-8448-41E38AB180D3}" type="datetimeFigureOut">
               <a:rPr lang="en-US" smtClean="0"/>
-              <a:t>21-Nov-20</a:t>
+              <a:t>22-Nov-20</a:t>
             </a:fld>
             <a:endParaRPr lang="en-US"/>
           </a:p>
@@ -1968,7 +1968,7 @@
           <a:p>
             <a:fld id="{C1EBCF09-E776-406A-8448-41E38AB180D3}" type="datetimeFigureOut">
               <a:rPr lang="en-US" smtClean="0"/>
-              <a:t>21-Nov-20</a:t>
+              <a:t>22-Nov-20</a:t>
             </a:fld>
             <a:endParaRPr lang="en-US"/>
           </a:p>
@@ -2081,7 +2081,7 @@
           <a:p>
             <a:fld id="{C1EBCF09-E776-406A-8448-41E38AB180D3}" type="datetimeFigureOut">
               <a:rPr lang="en-US" smtClean="0"/>
-              <a:t>21-Nov-20</a:t>
+              <a:t>22-Nov-20</a:t>
             </a:fld>
             <a:endParaRPr lang="en-US"/>
           </a:p>
@@ -2392,7 +2392,7 @@
           <a:p>
             <a:fld id="{C1EBCF09-E776-406A-8448-41E38AB180D3}" type="datetimeFigureOut">
               <a:rPr lang="en-US" smtClean="0"/>
-              <a:t>21-Nov-20</a:t>
+              <a:t>22-Nov-20</a:t>
             </a:fld>
             <a:endParaRPr lang="en-US"/>
           </a:p>
@@ -2680,7 +2680,7 @@
           <a:p>
             <a:fld id="{C1EBCF09-E776-406A-8448-41E38AB180D3}" type="datetimeFigureOut">
               <a:rPr lang="en-US" smtClean="0"/>
-              <a:t>21-Nov-20</a:t>
+              <a:t>22-Nov-20</a:t>
             </a:fld>
             <a:endParaRPr lang="en-US"/>
           </a:p>
@@ -2921,7 +2921,7 @@
           <a:p>
             <a:fld id="{C1EBCF09-E776-406A-8448-41E38AB180D3}" type="datetimeFigureOut">
               <a:rPr lang="en-US" smtClean="0"/>
-              <a:t>21-Nov-20</a:t>
+              <a:t>22-Nov-20</a:t>
             </a:fld>
             <a:endParaRPr lang="en-US"/>
           </a:p>
@@ -5970,94 +5970,6 @@
                       </p:childTnLst>
                     </p:cTn>
                   </p:par>
-                  <p:par>
-                    <p:cTn id="28" fill="hold">
-                      <p:stCondLst>
-                        <p:cond delay="indefinite"/>
-                      </p:stCondLst>
-                      <p:childTnLst>
-                        <p:par>
-                          <p:cTn id="29" fill="hold">
-                            <p:stCondLst>
-                              <p:cond delay="0"/>
-                            </p:stCondLst>
-                            <p:childTnLst>
-                              <p:par>
-                                <p:cTn id="30" presetID="10" presetClass="entr" presetSubtype="0" fill="hold" nodeType="clickEffect">
-                                  <p:stCondLst>
-                                    <p:cond delay="0"/>
-                                  </p:stCondLst>
-                                  <p:childTnLst>
-                                    <p:set>
-                                      <p:cBhvr>
-                                        <p:cTn id="31" dur="1" fill="hold">
-                                          <p:stCondLst>
-                                            <p:cond delay="0"/>
-                                          </p:stCondLst>
-                                        </p:cTn>
-                                        <p:tgtEl>
-                                          <p:spTgt spid="6"/>
-                                        </p:tgtEl>
-                                        <p:attrNameLst>
-                                          <p:attrName>style.visibility</p:attrName>
-                                        </p:attrNameLst>
-                                      </p:cBhvr>
-                                      <p:to>
-                                        <p:strVal val="visible"/>
-                                      </p:to>
-                                    </p:set>
-                                    <p:animEffect transition="in" filter="fade">
-                                      <p:cBhvr>
-                                        <p:cTn id="32" dur="500"/>
-                                        <p:tgtEl>
-                                          <p:spTgt spid="6"/>
-                                        </p:tgtEl>
-                                      </p:cBhvr>
-                                    </p:animEffect>
-                                  </p:childTnLst>
-                                </p:cTn>
-                              </p:par>
-                              <p:par>
-                                <p:cTn id="33" presetID="10" presetClass="entr" presetSubtype="0" fill="hold" nodeType="withEffect">
-                                  <p:stCondLst>
-                                    <p:cond delay="0"/>
-                                  </p:stCondLst>
-                                  <p:childTnLst>
-                                    <p:set>
-                                      <p:cBhvr>
-                                        <p:cTn id="34" dur="1" fill="hold">
-                                          <p:stCondLst>
-                                            <p:cond delay="0"/>
-                                          </p:stCondLst>
-                                        </p:cTn>
-                                        <p:tgtEl>
-                                          <p:spTgt spid="10"/>
-                                        </p:tgtEl>
-                                        <p:attrNameLst>
-                                          <p:attrName>style.visibility</p:attrName>
-                                        </p:attrNameLst>
-                                      </p:cBhvr>
-                                      <p:to>
-                                        <p:strVal val="visible"/>
-                                      </p:to>
-                                    </p:set>
-                                    <p:animEffect transition="in" filter="fade">
-                                      <p:cBhvr>
-                                        <p:cTn id="35" dur="500"/>
-                                        <p:tgtEl>
-                                          <p:spTgt spid="10"/>
-                                        </p:tgtEl>
-                                      </p:cBhvr>
-                                    </p:animEffect>
-                                  </p:childTnLst>
-                                </p:cTn>
-                              </p:par>
-                            </p:childTnLst>
-                          </p:cTn>
-                        </p:par>
-                      </p:childTnLst>
-                    </p:cTn>
-                  </p:par>
                 </p:childTnLst>
               </p:cTn>
               <p:prevCondLst>
